--- a/Report/Final Presentation.pptx
+++ b/Report/Final Presentation.pptx
@@ -6,20 +6,19 @@
   </p:sldMasterIdLst>
   <p:sldIdLst>
     <p:sldId id="256" r:id="rId2"/>
-    <p:sldId id="259" r:id="rId3"/>
+    <p:sldId id="276" r:id="rId3"/>
     <p:sldId id="260" r:id="rId4"/>
-    <p:sldId id="262" r:id="rId5"/>
-    <p:sldId id="263" r:id="rId6"/>
-    <p:sldId id="264" r:id="rId7"/>
-    <p:sldId id="265" r:id="rId8"/>
-    <p:sldId id="266" r:id="rId9"/>
-    <p:sldId id="267" r:id="rId10"/>
-    <p:sldId id="268" r:id="rId11"/>
-    <p:sldId id="269" r:id="rId12"/>
-    <p:sldId id="271" r:id="rId13"/>
-    <p:sldId id="272" r:id="rId14"/>
-    <p:sldId id="273" r:id="rId15"/>
-    <p:sldId id="275" r:id="rId16"/>
+    <p:sldId id="263" r:id="rId5"/>
+    <p:sldId id="264" r:id="rId6"/>
+    <p:sldId id="265" r:id="rId7"/>
+    <p:sldId id="266" r:id="rId8"/>
+    <p:sldId id="267" r:id="rId9"/>
+    <p:sldId id="268" r:id="rId10"/>
+    <p:sldId id="269" r:id="rId11"/>
+    <p:sldId id="271" r:id="rId12"/>
+    <p:sldId id="272" r:id="rId13"/>
+    <p:sldId id="273" r:id="rId14"/>
+    <p:sldId id="275" r:id="rId15"/>
   </p:sldIdLst>
   <p:sldSz cx="9144000" cy="6858000" type="screen4x3"/>
   <p:notesSz cx="6858000" cy="9144000"/>
@@ -316,7 +315,7 @@
           <a:p>
             <a:fld id="{5BCAD085-E8A6-8845-BD4E-CB4CCA059FC4}" type="datetimeFigureOut">
               <a:rPr lang="en-US" smtClean="0"/>
-              <a:t>4/9/2024</a:t>
+              <a:t>4/18/2024</a:t>
             </a:fld>
             <a:endParaRPr lang="en-US"/>
           </a:p>
@@ -484,7 +483,7 @@
           <a:p>
             <a:fld id="{5BCAD085-E8A6-8845-BD4E-CB4CCA059FC4}" type="datetimeFigureOut">
               <a:rPr lang="en-US" smtClean="0"/>
-              <a:t>4/9/2024</a:t>
+              <a:t>4/18/2024</a:t>
             </a:fld>
             <a:endParaRPr lang="en-US"/>
           </a:p>
@@ -662,7 +661,7 @@
           <a:p>
             <a:fld id="{5BCAD085-E8A6-8845-BD4E-CB4CCA059FC4}" type="datetimeFigureOut">
               <a:rPr lang="en-US" smtClean="0"/>
-              <a:t>4/9/2024</a:t>
+              <a:t>4/18/2024</a:t>
             </a:fld>
             <a:endParaRPr lang="en-US"/>
           </a:p>
@@ -1695,7 +1694,7 @@
           <a:p>
             <a:fld id="{5BCAD085-E8A6-8845-BD4E-CB4CCA059FC4}" type="datetimeFigureOut">
               <a:rPr lang="en-US" smtClean="0"/>
-              <a:t>4/9/2024</a:t>
+              <a:t>4/18/2024</a:t>
             </a:fld>
             <a:endParaRPr lang="en-US"/>
           </a:p>
@@ -1940,7 +1939,7 @@
           <a:p>
             <a:fld id="{5BCAD085-E8A6-8845-BD4E-CB4CCA059FC4}" type="datetimeFigureOut">
               <a:rPr lang="en-US" smtClean="0"/>
-              <a:t>4/9/2024</a:t>
+              <a:t>4/18/2024</a:t>
             </a:fld>
             <a:endParaRPr lang="en-US"/>
           </a:p>
@@ -2225,7 +2224,7 @@
           <a:p>
             <a:fld id="{5BCAD085-E8A6-8845-BD4E-CB4CCA059FC4}" type="datetimeFigureOut">
               <a:rPr lang="en-US" smtClean="0"/>
-              <a:t>4/9/2024</a:t>
+              <a:t>4/18/2024</a:t>
             </a:fld>
             <a:endParaRPr lang="en-US"/>
           </a:p>
@@ -2644,7 +2643,7 @@
           <a:p>
             <a:fld id="{5BCAD085-E8A6-8845-BD4E-CB4CCA059FC4}" type="datetimeFigureOut">
               <a:rPr lang="en-US" smtClean="0"/>
-              <a:t>4/9/2024</a:t>
+              <a:t>4/18/2024</a:t>
             </a:fld>
             <a:endParaRPr lang="en-US"/>
           </a:p>
@@ -2761,7 +2760,7 @@
           <a:p>
             <a:fld id="{5BCAD085-E8A6-8845-BD4E-CB4CCA059FC4}" type="datetimeFigureOut">
               <a:rPr lang="en-US" smtClean="0"/>
-              <a:t>4/9/2024</a:t>
+              <a:t>4/18/2024</a:t>
             </a:fld>
             <a:endParaRPr lang="en-US"/>
           </a:p>
@@ -2856,7 +2855,7 @@
           <a:p>
             <a:fld id="{5BCAD085-E8A6-8845-BD4E-CB4CCA059FC4}" type="datetimeFigureOut">
               <a:rPr lang="en-US" smtClean="0"/>
-              <a:t>4/9/2024</a:t>
+              <a:t>4/18/2024</a:t>
             </a:fld>
             <a:endParaRPr lang="en-US"/>
           </a:p>
@@ -3131,7 +3130,7 @@
           <a:p>
             <a:fld id="{5BCAD085-E8A6-8845-BD4E-CB4CCA059FC4}" type="datetimeFigureOut">
               <a:rPr lang="en-US" smtClean="0"/>
-              <a:t>4/9/2024</a:t>
+              <a:t>4/18/2024</a:t>
             </a:fld>
             <a:endParaRPr lang="en-US"/>
           </a:p>
@@ -3383,7 +3382,7 @@
           <a:p>
             <a:fld id="{5BCAD085-E8A6-8845-BD4E-CB4CCA059FC4}" type="datetimeFigureOut">
               <a:rPr lang="en-US" smtClean="0"/>
-              <a:t>4/9/2024</a:t>
+              <a:t>4/18/2024</a:t>
             </a:fld>
             <a:endParaRPr lang="en-US"/>
           </a:p>
@@ -3594,7 +3593,7 @@
           <a:p>
             <a:fld id="{5BCAD085-E8A6-8845-BD4E-CB4CCA059FC4}" type="datetimeFigureOut">
               <a:rPr lang="en-US" smtClean="0"/>
-              <a:t>4/9/2024</a:t>
+              <a:t>4/18/2024</a:t>
             </a:fld>
             <a:endParaRPr lang="en-US"/>
           </a:p>
@@ -4081,276 +4080,6 @@
           <a:chExt cx="0" cy="0"/>
         </a:xfrm>
       </p:grpSpPr>
-      <p:pic>
-        <p:nvPicPr>
-          <p:cNvPr id="6" name="Picture 5">
-            <a:extLst>
-              <a:ext uri="{FF2B5EF4-FFF2-40B4-BE49-F238E27FC236}">
-                <a16:creationId xmlns:a16="http://schemas.microsoft.com/office/drawing/2014/main" id="{5BE074F9-A926-893B-DD9E-1D62971D2417}"/>
-              </a:ext>
-            </a:extLst>
-          </p:cNvPr>
-          <p:cNvPicPr>
-            <a:picLocks noChangeAspect="1"/>
-          </p:cNvPicPr>
-          <p:nvPr/>
-        </p:nvPicPr>
-        <p:blipFill>
-          <a:blip r:embed="rId2"/>
-          <a:stretch>
-            <a:fillRect/>
-          </a:stretch>
-        </p:blipFill>
-        <p:spPr>
-          <a:xfrm>
-            <a:off x="0" y="548791"/>
-            <a:ext cx="9078686" cy="5089849"/>
-          </a:xfrm>
-          <a:prstGeom prst="rect">
-            <a:avLst/>
-          </a:prstGeom>
-        </p:spPr>
-      </p:pic>
-      <p:sp>
-        <p:nvSpPr>
-          <p:cNvPr id="9" name="Content Placeholder 2"/>
-          <p:cNvSpPr txBox="1">
-            <a:spLocks/>
-          </p:cNvSpPr>
-          <p:nvPr/>
-        </p:nvSpPr>
-        <p:spPr>
-          <a:xfrm>
-            <a:off x="457200" y="5559947"/>
-            <a:ext cx="8229600" cy="1254967"/>
-          </a:xfrm>
-          <a:prstGeom prst="rect">
-            <a:avLst/>
-          </a:prstGeom>
-        </p:spPr>
-        <p:txBody>
-          <a:bodyPr vert="horz" lIns="91440" tIns="45720" rIns="91440" bIns="45720" rtlCol="0">
-            <a:normAutofit/>
-          </a:bodyPr>
-          <a:lstStyle>
-            <a:lvl1pPr marL="342900" indent="-342900" algn="l" defTabSz="457200" rtl="0" eaLnBrk="1" latinLnBrk="0" hangingPunct="1">
-              <a:spcBef>
-                <a:spcPct val="20000"/>
-              </a:spcBef>
-              <a:buFont typeface="Arial"/>
-              <a:buChar char="•"/>
-              <a:defRPr sz="3200" kern="1200">
-                <a:solidFill>
-                  <a:schemeClr val="tx1"/>
-                </a:solidFill>
-                <a:latin typeface="+mn-lt"/>
-                <a:ea typeface="+mn-ea"/>
-                <a:cs typeface="+mn-cs"/>
-              </a:defRPr>
-            </a:lvl1pPr>
-            <a:lvl2pPr marL="742950" indent="-285750" algn="l" defTabSz="457200" rtl="0" eaLnBrk="1" latinLnBrk="0" hangingPunct="1">
-              <a:spcBef>
-                <a:spcPct val="20000"/>
-              </a:spcBef>
-              <a:buFont typeface="Arial"/>
-              <a:buChar char="–"/>
-              <a:defRPr sz="2800" kern="1200">
-                <a:solidFill>
-                  <a:schemeClr val="tx1"/>
-                </a:solidFill>
-                <a:latin typeface="+mn-lt"/>
-                <a:ea typeface="+mn-ea"/>
-                <a:cs typeface="+mn-cs"/>
-              </a:defRPr>
-            </a:lvl2pPr>
-            <a:lvl3pPr marL="1143000" indent="-228600" algn="l" defTabSz="457200" rtl="0" eaLnBrk="1" latinLnBrk="0" hangingPunct="1">
-              <a:spcBef>
-                <a:spcPct val="20000"/>
-              </a:spcBef>
-              <a:buFont typeface="Arial"/>
-              <a:buChar char="•"/>
-              <a:defRPr sz="2400" kern="1200">
-                <a:solidFill>
-                  <a:schemeClr val="tx1"/>
-                </a:solidFill>
-                <a:latin typeface="+mn-lt"/>
-                <a:ea typeface="+mn-ea"/>
-                <a:cs typeface="+mn-cs"/>
-              </a:defRPr>
-            </a:lvl3pPr>
-            <a:lvl4pPr marL="1600200" indent="-228600" algn="l" defTabSz="457200" rtl="0" eaLnBrk="1" latinLnBrk="0" hangingPunct="1">
-              <a:spcBef>
-                <a:spcPct val="20000"/>
-              </a:spcBef>
-              <a:buFont typeface="Arial"/>
-              <a:buChar char="–"/>
-              <a:defRPr sz="2000" kern="1200">
-                <a:solidFill>
-                  <a:schemeClr val="tx1"/>
-                </a:solidFill>
-                <a:latin typeface="+mn-lt"/>
-                <a:ea typeface="+mn-ea"/>
-                <a:cs typeface="+mn-cs"/>
-              </a:defRPr>
-            </a:lvl4pPr>
-            <a:lvl5pPr marL="2057400" indent="-228600" algn="l" defTabSz="457200" rtl="0" eaLnBrk="1" latinLnBrk="0" hangingPunct="1">
-              <a:spcBef>
-                <a:spcPct val="20000"/>
-              </a:spcBef>
-              <a:buFont typeface="Arial"/>
-              <a:buChar char="»"/>
-              <a:defRPr sz="2000" kern="1200">
-                <a:solidFill>
-                  <a:schemeClr val="tx1"/>
-                </a:solidFill>
-                <a:latin typeface="+mn-lt"/>
-                <a:ea typeface="+mn-ea"/>
-                <a:cs typeface="+mn-cs"/>
-              </a:defRPr>
-            </a:lvl5pPr>
-            <a:lvl6pPr marL="2514600" indent="-228600" algn="l" defTabSz="457200" rtl="0" eaLnBrk="1" latinLnBrk="0" hangingPunct="1">
-              <a:spcBef>
-                <a:spcPct val="20000"/>
-              </a:spcBef>
-              <a:buFont typeface="Arial"/>
-              <a:buChar char="•"/>
-              <a:defRPr sz="2000" kern="1200">
-                <a:solidFill>
-                  <a:schemeClr val="tx1"/>
-                </a:solidFill>
-                <a:latin typeface="+mn-lt"/>
-                <a:ea typeface="+mn-ea"/>
-                <a:cs typeface="+mn-cs"/>
-              </a:defRPr>
-            </a:lvl6pPr>
-            <a:lvl7pPr marL="2971800" indent="-228600" algn="l" defTabSz="457200" rtl="0" eaLnBrk="1" latinLnBrk="0" hangingPunct="1">
-              <a:spcBef>
-                <a:spcPct val="20000"/>
-              </a:spcBef>
-              <a:buFont typeface="Arial"/>
-              <a:buChar char="•"/>
-              <a:defRPr sz="2000" kern="1200">
-                <a:solidFill>
-                  <a:schemeClr val="tx1"/>
-                </a:solidFill>
-                <a:latin typeface="+mn-lt"/>
-                <a:ea typeface="+mn-ea"/>
-                <a:cs typeface="+mn-cs"/>
-              </a:defRPr>
-            </a:lvl7pPr>
-            <a:lvl8pPr marL="3429000" indent="-228600" algn="l" defTabSz="457200" rtl="0" eaLnBrk="1" latinLnBrk="0" hangingPunct="1">
-              <a:spcBef>
-                <a:spcPct val="20000"/>
-              </a:spcBef>
-              <a:buFont typeface="Arial"/>
-              <a:buChar char="•"/>
-              <a:defRPr sz="2000" kern="1200">
-                <a:solidFill>
-                  <a:schemeClr val="tx1"/>
-                </a:solidFill>
-                <a:latin typeface="+mn-lt"/>
-                <a:ea typeface="+mn-ea"/>
-                <a:cs typeface="+mn-cs"/>
-              </a:defRPr>
-            </a:lvl8pPr>
-            <a:lvl9pPr marL="3886200" indent="-228600" algn="l" defTabSz="457200" rtl="0" eaLnBrk="1" latinLnBrk="0" hangingPunct="1">
-              <a:spcBef>
-                <a:spcPct val="20000"/>
-              </a:spcBef>
-              <a:buFont typeface="Arial"/>
-              <a:buChar char="•"/>
-              <a:defRPr sz="2000" kern="1200">
-                <a:solidFill>
-                  <a:schemeClr val="tx1"/>
-                </a:solidFill>
-                <a:latin typeface="+mn-lt"/>
-                <a:ea typeface="+mn-ea"/>
-                <a:cs typeface="+mn-cs"/>
-              </a:defRPr>
-            </a:lvl9pPr>
-          </a:lstStyle>
-          <a:p>
-            <a:pPr marL="0" indent="0">
-              <a:buFont typeface="Arial"/>
-              <a:buNone/>
-            </a:pPr>
-            <a:r>
-              <a:rPr lang="en-US" sz="2400" dirty="0"/>
-              <a:t>Lower credit limits are associated with a higher risk of default, highlighting credit limit as a significant factor in assessing default risk.</a:t>
-            </a:r>
-          </a:p>
-        </p:txBody>
-      </p:sp>
-      <p:sp>
-        <p:nvSpPr>
-          <p:cNvPr id="12" name="Title 1"/>
-          <p:cNvSpPr txBox="1">
-            <a:spLocks/>
-          </p:cNvSpPr>
-          <p:nvPr/>
-        </p:nvSpPr>
-        <p:spPr>
-          <a:xfrm>
-            <a:off x="457200" y="-177282"/>
-            <a:ext cx="8229600" cy="1143000"/>
-          </a:xfrm>
-          <a:prstGeom prst="rect">
-            <a:avLst/>
-          </a:prstGeom>
-        </p:spPr>
-        <p:txBody>
-          <a:bodyPr vert="horz" lIns="91440" tIns="45720" rIns="91440" bIns="45720" rtlCol="0" anchor="ctr">
-            <a:normAutofit/>
-          </a:bodyPr>
-          <a:lstStyle>
-            <a:lvl1pPr algn="ctr" defTabSz="457200" rtl="0" eaLnBrk="1" latinLnBrk="0" hangingPunct="1">
-              <a:spcBef>
-                <a:spcPct val="0"/>
-              </a:spcBef>
-              <a:buNone/>
-              <a:defRPr sz="4400" kern="1200">
-                <a:solidFill>
-                  <a:schemeClr val="tx1"/>
-                </a:solidFill>
-                <a:latin typeface="+mj-lt"/>
-                <a:ea typeface="+mj-ea"/>
-                <a:cs typeface="+mj-cs"/>
-              </a:defRPr>
-            </a:lvl1pPr>
-          </a:lstStyle>
-          <a:p>
-            <a:r>
-              <a:rPr lang="en-US" dirty="0"/>
-              <a:t>Credit Limit Analysis</a:t>
-            </a:r>
-          </a:p>
-        </p:txBody>
-      </p:sp>
-    </p:spTree>
-  </p:cSld>
-  <p:clrMapOvr>
-    <a:masterClrMapping/>
-  </p:clrMapOvr>
-</p:sld>
-</file>
-
-<file path=ppt/slides/slide11.xml><?xml version="1.0" encoding="utf-8"?>
-<p:sld xmlns:a="http://schemas.openxmlformats.org/drawingml/2006/main" xmlns:r="http://schemas.openxmlformats.org/officeDocument/2006/relationships" xmlns:p="http://schemas.openxmlformats.org/presentationml/2006/main">
-  <p:cSld>
-    <p:spTree>
-      <p:nvGrpSpPr>
-        <p:cNvPr id="1" name=""/>
-        <p:cNvGrpSpPr/>
-        <p:nvPr/>
-      </p:nvGrpSpPr>
-      <p:grpSpPr>
-        <a:xfrm>
-          <a:off x="0" y="0"/>
-          <a:ext cx="0" cy="0"/>
-          <a:chOff x="0" y="0"/>
-          <a:chExt cx="0" cy="0"/>
-        </a:xfrm>
-      </p:grpSpPr>
       <p:sp>
         <p:nvSpPr>
           <p:cNvPr id="6" name="Rectangle 5"/>
@@ -5054,7 +4783,7 @@
 </p:sld>
 </file>
 
-<file path=ppt/slides/slide12.xml><?xml version="1.0" encoding="utf-8"?>
+<file path=ppt/slides/slide11.xml><?xml version="1.0" encoding="utf-8"?>
 <p:sld xmlns:a="http://schemas.openxmlformats.org/drawingml/2006/main" xmlns:r="http://schemas.openxmlformats.org/officeDocument/2006/relationships" xmlns:p="http://schemas.openxmlformats.org/presentationml/2006/main">
   <p:cSld>
     <p:spTree>
@@ -5071,38 +4800,6 @@
           <a:chExt cx="0" cy="0"/>
         </a:xfrm>
       </p:grpSpPr>
-      <p:sp>
-        <p:nvSpPr>
-          <p:cNvPr id="3" name="Content Placeholder 2"/>
-          <p:cNvSpPr>
-            <a:spLocks noGrp="1"/>
-          </p:cNvSpPr>
-          <p:nvPr>
-            <p:ph idx="1"/>
-          </p:nvPr>
-        </p:nvSpPr>
-        <p:spPr>
-          <a:xfrm>
-            <a:off x="457200" y="5440362"/>
-            <a:ext cx="8229600" cy="1143000"/>
-          </a:xfrm>
-        </p:spPr>
-        <p:txBody>
-          <a:bodyPr>
-            <a:normAutofit lnSpcReduction="10000"/>
-          </a:bodyPr>
-          <a:lstStyle/>
-          <a:p>
-            <a:pPr marL="0" indent="0" algn="just">
-              <a:buNone/>
-            </a:pPr>
-            <a:r>
-              <a:rPr sz="2400" dirty="0"/>
-              <a:t>Gradient Boosting and Random Forest emerged as top-performing models, demonstrating superior ability to balance precision and recall.</a:t>
-            </a:r>
-          </a:p>
-        </p:txBody>
-      </p:sp>
       <p:pic>
         <p:nvPicPr>
           <p:cNvPr id="6" name="Picture 5">
@@ -5125,7 +4822,7 @@
         </p:blipFill>
         <p:spPr>
           <a:xfrm>
-            <a:off x="285750" y="709127"/>
+            <a:off x="355599" y="2356571"/>
             <a:ext cx="8572499" cy="4731236"/>
           </a:xfrm>
           <a:prstGeom prst="rect">
@@ -5174,6 +4871,462 @@
             <a:r>
               <a:rPr lang="en-US" dirty="0"/>
               <a:t>Model Performance</a:t>
+            </a:r>
+          </a:p>
+        </p:txBody>
+      </p:sp>
+      <p:sp>
+        <p:nvSpPr>
+          <p:cNvPr id="5" name="Content Placeholder 2"/>
+          <p:cNvSpPr txBox="1">
+            <a:spLocks/>
+          </p:cNvSpPr>
+          <p:nvPr/>
+        </p:nvSpPr>
+        <p:spPr>
+          <a:xfrm>
+            <a:off x="527049" y="992812"/>
+            <a:ext cx="8229600" cy="1143000"/>
+          </a:xfrm>
+          <a:prstGeom prst="rect">
+            <a:avLst/>
+          </a:prstGeom>
+        </p:spPr>
+        <p:txBody>
+          <a:bodyPr vert="horz" lIns="91440" tIns="45720" rIns="91440" bIns="45720" rtlCol="0">
+            <a:noAutofit/>
+          </a:bodyPr>
+          <a:lstStyle>
+            <a:lvl1pPr marL="342900" indent="-342900" algn="l" defTabSz="457200" rtl="0" eaLnBrk="1" latinLnBrk="0" hangingPunct="1">
+              <a:spcBef>
+                <a:spcPct val="20000"/>
+              </a:spcBef>
+              <a:buFont typeface="Arial"/>
+              <a:buChar char="•"/>
+              <a:defRPr sz="3200" kern="1200">
+                <a:solidFill>
+                  <a:schemeClr val="tx1"/>
+                </a:solidFill>
+                <a:latin typeface="+mn-lt"/>
+                <a:ea typeface="+mn-ea"/>
+                <a:cs typeface="+mn-cs"/>
+              </a:defRPr>
+            </a:lvl1pPr>
+            <a:lvl2pPr marL="742950" indent="-285750" algn="l" defTabSz="457200" rtl="0" eaLnBrk="1" latinLnBrk="0" hangingPunct="1">
+              <a:spcBef>
+                <a:spcPct val="20000"/>
+              </a:spcBef>
+              <a:buFont typeface="Arial"/>
+              <a:buChar char="–"/>
+              <a:defRPr sz="2800" kern="1200">
+                <a:solidFill>
+                  <a:schemeClr val="tx1"/>
+                </a:solidFill>
+                <a:latin typeface="+mn-lt"/>
+                <a:ea typeface="+mn-ea"/>
+                <a:cs typeface="+mn-cs"/>
+              </a:defRPr>
+            </a:lvl2pPr>
+            <a:lvl3pPr marL="1143000" indent="-228600" algn="l" defTabSz="457200" rtl="0" eaLnBrk="1" latinLnBrk="0" hangingPunct="1">
+              <a:spcBef>
+                <a:spcPct val="20000"/>
+              </a:spcBef>
+              <a:buFont typeface="Arial"/>
+              <a:buChar char="•"/>
+              <a:defRPr sz="2400" kern="1200">
+                <a:solidFill>
+                  <a:schemeClr val="tx1"/>
+                </a:solidFill>
+                <a:latin typeface="+mn-lt"/>
+                <a:ea typeface="+mn-ea"/>
+                <a:cs typeface="+mn-cs"/>
+              </a:defRPr>
+            </a:lvl3pPr>
+            <a:lvl4pPr marL="1600200" indent="-228600" algn="l" defTabSz="457200" rtl="0" eaLnBrk="1" latinLnBrk="0" hangingPunct="1">
+              <a:spcBef>
+                <a:spcPct val="20000"/>
+              </a:spcBef>
+              <a:buFont typeface="Arial"/>
+              <a:buChar char="–"/>
+              <a:defRPr sz="2000" kern="1200">
+                <a:solidFill>
+                  <a:schemeClr val="tx1"/>
+                </a:solidFill>
+                <a:latin typeface="+mn-lt"/>
+                <a:ea typeface="+mn-ea"/>
+                <a:cs typeface="+mn-cs"/>
+              </a:defRPr>
+            </a:lvl4pPr>
+            <a:lvl5pPr marL="2057400" indent="-228600" algn="l" defTabSz="457200" rtl="0" eaLnBrk="1" latinLnBrk="0" hangingPunct="1">
+              <a:spcBef>
+                <a:spcPct val="20000"/>
+              </a:spcBef>
+              <a:buFont typeface="Arial"/>
+              <a:buChar char="»"/>
+              <a:defRPr sz="2000" kern="1200">
+                <a:solidFill>
+                  <a:schemeClr val="tx1"/>
+                </a:solidFill>
+                <a:latin typeface="+mn-lt"/>
+                <a:ea typeface="+mn-ea"/>
+                <a:cs typeface="+mn-cs"/>
+              </a:defRPr>
+            </a:lvl5pPr>
+            <a:lvl6pPr marL="2514600" indent="-228600" algn="l" defTabSz="457200" rtl="0" eaLnBrk="1" latinLnBrk="0" hangingPunct="1">
+              <a:spcBef>
+                <a:spcPct val="20000"/>
+              </a:spcBef>
+              <a:buFont typeface="Arial"/>
+              <a:buChar char="•"/>
+              <a:defRPr sz="2000" kern="1200">
+                <a:solidFill>
+                  <a:schemeClr val="tx1"/>
+                </a:solidFill>
+                <a:latin typeface="+mn-lt"/>
+                <a:ea typeface="+mn-ea"/>
+                <a:cs typeface="+mn-cs"/>
+              </a:defRPr>
+            </a:lvl6pPr>
+            <a:lvl7pPr marL="2971800" indent="-228600" algn="l" defTabSz="457200" rtl="0" eaLnBrk="1" latinLnBrk="0" hangingPunct="1">
+              <a:spcBef>
+                <a:spcPct val="20000"/>
+              </a:spcBef>
+              <a:buFont typeface="Arial"/>
+              <a:buChar char="•"/>
+              <a:defRPr sz="2000" kern="1200">
+                <a:solidFill>
+                  <a:schemeClr val="tx1"/>
+                </a:solidFill>
+                <a:latin typeface="+mn-lt"/>
+                <a:ea typeface="+mn-ea"/>
+                <a:cs typeface="+mn-cs"/>
+              </a:defRPr>
+            </a:lvl7pPr>
+            <a:lvl8pPr marL="3429000" indent="-228600" algn="l" defTabSz="457200" rtl="0" eaLnBrk="1" latinLnBrk="0" hangingPunct="1">
+              <a:spcBef>
+                <a:spcPct val="20000"/>
+              </a:spcBef>
+              <a:buFont typeface="Arial"/>
+              <a:buChar char="•"/>
+              <a:defRPr sz="2000" kern="1200">
+                <a:solidFill>
+                  <a:schemeClr val="tx1"/>
+                </a:solidFill>
+                <a:latin typeface="+mn-lt"/>
+                <a:ea typeface="+mn-ea"/>
+                <a:cs typeface="+mn-cs"/>
+              </a:defRPr>
+            </a:lvl8pPr>
+            <a:lvl9pPr marL="3886200" indent="-228600" algn="l" defTabSz="457200" rtl="0" eaLnBrk="1" latinLnBrk="0" hangingPunct="1">
+              <a:spcBef>
+                <a:spcPct val="20000"/>
+              </a:spcBef>
+              <a:buFont typeface="Arial"/>
+              <a:buChar char="•"/>
+              <a:defRPr sz="2000" kern="1200">
+                <a:solidFill>
+                  <a:schemeClr val="tx1"/>
+                </a:solidFill>
+                <a:latin typeface="+mn-lt"/>
+                <a:ea typeface="+mn-ea"/>
+                <a:cs typeface="+mn-cs"/>
+              </a:defRPr>
+            </a:lvl9pPr>
+          </a:lstStyle>
+          <a:p>
+            <a:pPr marL="0" algn="just">
+              <a:lnSpc>
+                <a:spcPct val="107000"/>
+              </a:lnSpc>
+              <a:spcBef>
+                <a:spcPts val="0"/>
+              </a:spcBef>
+              <a:spcAft>
+                <a:spcPts val="800"/>
+              </a:spcAft>
+            </a:pPr>
+            <a:r>
+              <a:rPr lang="en-US" sz="1800" kern="100" dirty="0">
+                <a:latin typeface="Calibri" panose="020F0502020204030204" pitchFamily="34" charset="0"/>
+                <a:ea typeface="Malgun Gothic" panose="020B0503020000020004" pitchFamily="34" charset="-127"/>
+                <a:cs typeface="Times New Roman" panose="02020603050405020304" pitchFamily="18" charset="0"/>
+              </a:rPr>
+              <a:t>Random Forest appears to be one of the best models, offering a consistent and strong balance between precision and recall.</a:t>
+            </a:r>
+          </a:p>
+          <a:p>
+            <a:pPr marL="0" algn="just">
+              <a:lnSpc>
+                <a:spcPct val="107000"/>
+              </a:lnSpc>
+              <a:spcBef>
+                <a:spcPts val="0"/>
+              </a:spcBef>
+              <a:spcAft>
+                <a:spcPts val="800"/>
+              </a:spcAft>
+            </a:pPr>
+            <a:r>
+              <a:rPr lang="en-US" sz="1800" kern="100" dirty="0">
+                <a:latin typeface="Calibri" panose="020F0502020204030204" pitchFamily="34" charset="0"/>
+                <a:ea typeface="Malgun Gothic" panose="020B0503020000020004" pitchFamily="34" charset="-127"/>
+                <a:cs typeface="Times New Roman" panose="02020603050405020304" pitchFamily="18" charset="0"/>
+              </a:rPr>
+              <a:t>Gradient Boosting also stands out, maintaining a steadier trade-off between precision and recall as it seeks to identify more positive cases.</a:t>
+            </a:r>
+          </a:p>
+        </p:txBody>
+      </p:sp>
+    </p:spTree>
+  </p:cSld>
+  <p:clrMapOvr>
+    <a:masterClrMapping/>
+  </p:clrMapOvr>
+</p:sld>
+</file>
+
+<file path=ppt/slides/slide12.xml><?xml version="1.0" encoding="utf-8"?>
+<p:sld xmlns:a="http://schemas.openxmlformats.org/drawingml/2006/main" xmlns:r="http://schemas.openxmlformats.org/officeDocument/2006/relationships" xmlns:p="http://schemas.openxmlformats.org/presentationml/2006/main">
+  <p:cSld>
+    <p:spTree>
+      <p:nvGrpSpPr>
+        <p:cNvPr id="1" name=""/>
+        <p:cNvGrpSpPr/>
+        <p:nvPr/>
+      </p:nvGrpSpPr>
+      <p:grpSpPr>
+        <a:xfrm>
+          <a:off x="0" y="0"/>
+          <a:ext cx="0" cy="0"/>
+          <a:chOff x="0" y="0"/>
+          <a:chExt cx="0" cy="0"/>
+        </a:xfrm>
+      </p:grpSpPr>
+      <p:sp>
+        <p:nvSpPr>
+          <p:cNvPr id="2" name="Title 1"/>
+          <p:cNvSpPr>
+            <a:spLocks noGrp="1"/>
+          </p:cNvSpPr>
+          <p:nvPr>
+            <p:ph type="title"/>
+          </p:nvPr>
+        </p:nvSpPr>
+        <p:spPr/>
+        <p:txBody>
+          <a:bodyPr/>
+          <a:lstStyle/>
+          <a:p>
+            <a:r>
+              <a:t>Key Takeaways</a:t>
+            </a:r>
+          </a:p>
+        </p:txBody>
+      </p:sp>
+      <p:sp>
+        <p:nvSpPr>
+          <p:cNvPr id="3" name="Content Placeholder 2"/>
+          <p:cNvSpPr>
+            <a:spLocks noGrp="1"/>
+          </p:cNvSpPr>
+          <p:nvPr>
+            <p:ph idx="1"/>
+          </p:nvPr>
+        </p:nvSpPr>
+        <p:spPr>
+          <a:xfrm>
+            <a:off x="457200" y="1530221"/>
+            <a:ext cx="8462865" cy="4525963"/>
+          </a:xfrm>
+        </p:spPr>
+        <p:txBody>
+          <a:bodyPr>
+            <a:noAutofit/>
+          </a:bodyPr>
+          <a:lstStyle/>
+          <a:p>
+            <a:pPr marL="0" marR="0">
+              <a:lnSpc>
+                <a:spcPct val="107000"/>
+              </a:lnSpc>
+              <a:spcBef>
+                <a:spcPts val="0"/>
+              </a:spcBef>
+              <a:spcAft>
+                <a:spcPts val="800"/>
+              </a:spcAft>
+            </a:pPr>
+            <a:r>
+              <a:rPr lang="en-US" sz="2000" b="1" kern="100" dirty="0">
+                <a:effectLst/>
+                <a:latin typeface="Calibri" panose="020F0502020204030204" pitchFamily="34" charset="0"/>
+                <a:ea typeface="Malgun Gothic" panose="020B0503020000020004" pitchFamily="34" charset="-127"/>
+                <a:cs typeface="Times New Roman" panose="02020603050405020304" pitchFamily="18" charset="0"/>
+              </a:rPr>
+              <a:t>Risk Management</a:t>
+            </a:r>
+            <a:r>
+              <a:rPr lang="en-US" sz="2000" kern="100" dirty="0">
+                <a:effectLst/>
+                <a:latin typeface="Calibri" panose="020F0502020204030204" pitchFamily="34" charset="0"/>
+                <a:ea typeface="Malgun Gothic" panose="020B0503020000020004" pitchFamily="34" charset="-127"/>
+                <a:cs typeface="Times New Roman" panose="02020603050405020304" pitchFamily="18" charset="0"/>
+              </a:rPr>
+              <a:t>: Advanced models offer precise default predictions, enabling proactive risk mitigation and enhancing the institution's financial stability.</a:t>
+            </a:r>
+          </a:p>
+          <a:p>
+            <a:pPr marL="0" marR="0">
+              <a:lnSpc>
+                <a:spcPct val="107000"/>
+              </a:lnSpc>
+              <a:spcBef>
+                <a:spcPts val="0"/>
+              </a:spcBef>
+              <a:spcAft>
+                <a:spcPts val="800"/>
+              </a:spcAft>
+            </a:pPr>
+            <a:r>
+              <a:rPr lang="en-US" sz="2000" b="1" kern="100" dirty="0">
+                <a:effectLst/>
+                <a:latin typeface="Calibri" panose="020F0502020204030204" pitchFamily="34" charset="0"/>
+                <a:ea typeface="Malgun Gothic" panose="020B0503020000020004" pitchFamily="34" charset="-127"/>
+                <a:cs typeface="Times New Roman" panose="02020603050405020304" pitchFamily="18" charset="0"/>
+              </a:rPr>
+              <a:t>Operational Efficiency</a:t>
+            </a:r>
+            <a:r>
+              <a:rPr lang="en-US" sz="2000" kern="100" dirty="0">
+                <a:effectLst/>
+                <a:latin typeface="Calibri" panose="020F0502020204030204" pitchFamily="34" charset="0"/>
+                <a:ea typeface="Malgun Gothic" panose="020B0503020000020004" pitchFamily="34" charset="-127"/>
+                <a:cs typeface="Times New Roman" panose="02020603050405020304" pitchFamily="18" charset="0"/>
+              </a:rPr>
+              <a:t>: Automation of risk assessments streamlines decision-making, optimizing the use of human resources for complex cases.</a:t>
+            </a:r>
+            <a:r>
+              <a:rPr lang="en-US" sz="2000" b="1" kern="100" dirty="0">
+                <a:effectLst/>
+                <a:latin typeface="Calibri" panose="020F0502020204030204" pitchFamily="34" charset="0"/>
+                <a:ea typeface="Malgun Gothic" panose="020B0503020000020004" pitchFamily="34" charset="-127"/>
+                <a:cs typeface="Times New Roman" panose="02020603050405020304" pitchFamily="18" charset="0"/>
+              </a:rPr>
+              <a:t> </a:t>
+            </a:r>
+            <a:endParaRPr lang="en-US" sz="2000" kern="100" dirty="0">
+              <a:effectLst/>
+              <a:latin typeface="Calibri" panose="020F0502020204030204" pitchFamily="34" charset="0"/>
+              <a:ea typeface="Malgun Gothic" panose="020B0503020000020004" pitchFamily="34" charset="-127"/>
+              <a:cs typeface="Times New Roman" panose="02020603050405020304" pitchFamily="18" charset="0"/>
+            </a:endParaRPr>
+          </a:p>
+          <a:p>
+            <a:pPr marL="0" marR="0">
+              <a:lnSpc>
+                <a:spcPct val="107000"/>
+              </a:lnSpc>
+              <a:spcBef>
+                <a:spcPts val="0"/>
+              </a:spcBef>
+              <a:spcAft>
+                <a:spcPts val="800"/>
+              </a:spcAft>
+            </a:pPr>
+            <a:r>
+              <a:rPr lang="en-US" sz="2000" b="1" kern="100" dirty="0">
+                <a:effectLst/>
+                <a:latin typeface="Calibri" panose="020F0502020204030204" pitchFamily="34" charset="0"/>
+                <a:ea typeface="Malgun Gothic" panose="020B0503020000020004" pitchFamily="34" charset="-127"/>
+                <a:cs typeface="Times New Roman" panose="02020603050405020304" pitchFamily="18" charset="0"/>
+              </a:rPr>
+              <a:t>Financial Performance</a:t>
+            </a:r>
+            <a:r>
+              <a:rPr lang="en-US" sz="2000" kern="100" dirty="0">
+                <a:effectLst/>
+                <a:latin typeface="Calibri" panose="020F0502020204030204" pitchFamily="34" charset="0"/>
+                <a:ea typeface="Malgun Gothic" panose="020B0503020000020004" pitchFamily="34" charset="-127"/>
+                <a:cs typeface="Times New Roman" panose="02020603050405020304" pitchFamily="18" charset="0"/>
+              </a:rPr>
+              <a:t>: Early detection capabilities minimize losses from defaults, identify opportunities for growth, and improve profitability.</a:t>
+            </a:r>
+          </a:p>
+          <a:p>
+            <a:pPr marL="0" marR="0">
+              <a:lnSpc>
+                <a:spcPct val="107000"/>
+              </a:lnSpc>
+              <a:spcBef>
+                <a:spcPts val="0"/>
+              </a:spcBef>
+              <a:spcAft>
+                <a:spcPts val="800"/>
+              </a:spcAft>
+            </a:pPr>
+            <a:r>
+              <a:rPr lang="en-US" sz="2000" b="1" kern="100" dirty="0">
+                <a:effectLst/>
+                <a:latin typeface="Calibri" panose="020F0502020204030204" pitchFamily="34" charset="0"/>
+                <a:ea typeface="Malgun Gothic" panose="020B0503020000020004" pitchFamily="34" charset="-127"/>
+                <a:cs typeface="Times New Roman" panose="02020603050405020304" pitchFamily="18" charset="0"/>
+              </a:rPr>
+              <a:t>Customer Experience</a:t>
+            </a:r>
+            <a:r>
+              <a:rPr lang="en-US" sz="2000" kern="100" dirty="0">
+                <a:effectLst/>
+                <a:latin typeface="Calibri" panose="020F0502020204030204" pitchFamily="34" charset="0"/>
+                <a:ea typeface="Malgun Gothic" panose="020B0503020000020004" pitchFamily="34" charset="-127"/>
+                <a:cs typeface="Times New Roman" panose="02020603050405020304" pitchFamily="18" charset="0"/>
+              </a:rPr>
+              <a:t>: Tailored credit products and early intervention strategies enhance customer satisfaction and loyalty.</a:t>
+            </a:r>
+            <a:r>
+              <a:rPr lang="en-US" sz="2000" b="1" kern="100" dirty="0">
+                <a:effectLst/>
+                <a:latin typeface="Calibri" panose="020F0502020204030204" pitchFamily="34" charset="0"/>
+                <a:ea typeface="Malgun Gothic" panose="020B0503020000020004" pitchFamily="34" charset="-127"/>
+                <a:cs typeface="Times New Roman" panose="02020603050405020304" pitchFamily="18" charset="0"/>
+              </a:rPr>
+              <a:t> </a:t>
+            </a:r>
+            <a:endParaRPr lang="en-US" sz="2000" kern="100" dirty="0">
+              <a:effectLst/>
+              <a:latin typeface="Calibri" panose="020F0502020204030204" pitchFamily="34" charset="0"/>
+              <a:ea typeface="Malgun Gothic" panose="020B0503020000020004" pitchFamily="34" charset="-127"/>
+              <a:cs typeface="Times New Roman" panose="02020603050405020304" pitchFamily="18" charset="0"/>
+            </a:endParaRPr>
+          </a:p>
+          <a:p>
+            <a:pPr marL="0" marR="0">
+              <a:lnSpc>
+                <a:spcPct val="107000"/>
+              </a:lnSpc>
+              <a:spcBef>
+                <a:spcPts val="0"/>
+              </a:spcBef>
+              <a:spcAft>
+                <a:spcPts val="800"/>
+              </a:spcAft>
+            </a:pPr>
+            <a:r>
+              <a:rPr lang="en-US" sz="2000" b="1" kern="100" dirty="0">
+                <a:effectLst/>
+                <a:latin typeface="Calibri" panose="020F0502020204030204" pitchFamily="34" charset="0"/>
+                <a:ea typeface="Malgun Gothic" panose="020B0503020000020004" pitchFamily="34" charset="-127"/>
+                <a:cs typeface="Times New Roman" panose="02020603050405020304" pitchFamily="18" charset="0"/>
+              </a:rPr>
+              <a:t>Strategic Decision-Making</a:t>
+            </a:r>
+            <a:r>
+              <a:rPr lang="en-US" sz="2000" kern="100" dirty="0">
+                <a:effectLst/>
+                <a:latin typeface="Calibri" panose="020F0502020204030204" pitchFamily="34" charset="0"/>
+                <a:ea typeface="Malgun Gothic" panose="020B0503020000020004" pitchFamily="34" charset="-127"/>
+                <a:cs typeface="Times New Roman" panose="02020603050405020304" pitchFamily="18" charset="0"/>
+              </a:rPr>
+              <a:t>: Data-driven insights from predictive models inform strategic initiatives, promoting market expansion and product innovation.</a:t>
             </a:r>
           </a:p>
         </p:txBody>
@@ -5213,13 +5366,19 @@
             <p:ph type="title"/>
           </p:nvPr>
         </p:nvSpPr>
-        <p:spPr/>
+        <p:spPr>
+          <a:xfrm>
+            <a:off x="307909" y="160337"/>
+            <a:ext cx="8229600" cy="1143000"/>
+          </a:xfrm>
+        </p:spPr>
         <p:txBody>
           <a:bodyPr/>
           <a:lstStyle/>
           <a:p>
             <a:r>
-              <a:t>Key Takeaways</a:t>
+              <a:rPr dirty="0"/>
+              <a:t>Future Work</a:t>
             </a:r>
           </a:p>
         </p:txBody>
@@ -5236,8 +5395,8 @@
         </p:nvSpPr>
         <p:spPr>
           <a:xfrm>
-            <a:off x="457200" y="1530221"/>
-            <a:ext cx="8462865" cy="4525963"/>
+            <a:off x="307909" y="1600200"/>
+            <a:ext cx="8612155" cy="4525963"/>
           </a:xfrm>
         </p:spPr>
         <p:txBody>
@@ -5264,7 +5423,7 @@
                 <a:ea typeface="Malgun Gothic" panose="020B0503020000020004" pitchFamily="34" charset="-127"/>
                 <a:cs typeface="Times New Roman" panose="02020603050405020304" pitchFamily="18" charset="0"/>
               </a:rPr>
-              <a:t>Risk Management</a:t>
+              <a:t>Enhanced Model Accuracy: </a:t>
             </a:r>
             <a:r>
               <a:rPr lang="en-US" sz="2000" kern="100" dirty="0">
@@ -5273,38 +5432,7 @@
                 <a:ea typeface="Malgun Gothic" panose="020B0503020000020004" pitchFamily="34" charset="-127"/>
                 <a:cs typeface="Times New Roman" panose="02020603050405020304" pitchFamily="18" charset="0"/>
               </a:rPr>
-              <a:t>: Advanced models offer precise default predictions, enabling proactive risk mitigation and enhancing the institution's financial stability.</a:t>
-            </a:r>
-          </a:p>
-          <a:p>
-            <a:pPr marL="0" marR="0">
-              <a:lnSpc>
-                <a:spcPct val="107000"/>
-              </a:lnSpc>
-              <a:spcBef>
-                <a:spcPts val="0"/>
-              </a:spcBef>
-              <a:spcAft>
-                <a:spcPts val="800"/>
-              </a:spcAft>
-            </a:pPr>
-            <a:r>
-              <a:rPr lang="en-US" sz="2000" b="1" kern="100" dirty="0">
-                <a:effectLst/>
-                <a:latin typeface="Calibri" panose="020F0502020204030204" pitchFamily="34" charset="0"/>
-                <a:ea typeface="Malgun Gothic" panose="020B0503020000020004" pitchFamily="34" charset="-127"/>
-                <a:cs typeface="Times New Roman" panose="02020603050405020304" pitchFamily="18" charset="0"/>
-              </a:rPr>
-              <a:t>Operational Efficiency</a:t>
-            </a:r>
-            <a:r>
-              <a:rPr lang="en-US" sz="2000" kern="100" dirty="0">
-                <a:effectLst/>
-                <a:latin typeface="Calibri" panose="020F0502020204030204" pitchFamily="34" charset="0"/>
-                <a:ea typeface="Malgun Gothic" panose="020B0503020000020004" pitchFamily="34" charset="-127"/>
-                <a:cs typeface="Times New Roman" panose="02020603050405020304" pitchFamily="18" charset="0"/>
-              </a:rPr>
-              <a:t>: Automation of risk assessments streamlines decision-making, optimizing the use of human resources for complex cases.</a:t>
+              <a:t>Continuous data collection and algorithm refinement will lead to more accurate, insightful risk assessments and proactive measures.</a:t>
             </a:r>
             <a:r>
               <a:rPr lang="en-US" sz="2000" b="1" kern="100" dirty="0">
@@ -5341,7 +5469,7 @@
                 <a:ea typeface="Malgun Gothic" panose="020B0503020000020004" pitchFamily="34" charset="-127"/>
                 <a:cs typeface="Times New Roman" panose="02020603050405020304" pitchFamily="18" charset="0"/>
               </a:rPr>
-              <a:t>Financial Performance</a:t>
+              <a:t>Technological Advancements</a:t>
             </a:r>
             <a:r>
               <a:rPr lang="en-US" sz="2000" kern="100" dirty="0">
@@ -5350,38 +5478,7 @@
                 <a:ea typeface="Malgun Gothic" panose="020B0503020000020004" pitchFamily="34" charset="-127"/>
                 <a:cs typeface="Times New Roman" panose="02020603050405020304" pitchFamily="18" charset="0"/>
               </a:rPr>
-              <a:t>: Early detection capabilities minimize losses from defaults, identify opportunities for growth, and improve profitability.</a:t>
-            </a:r>
-          </a:p>
-          <a:p>
-            <a:pPr marL="0" marR="0">
-              <a:lnSpc>
-                <a:spcPct val="107000"/>
-              </a:lnSpc>
-              <a:spcBef>
-                <a:spcPts val="0"/>
-              </a:spcBef>
-              <a:spcAft>
-                <a:spcPts val="800"/>
-              </a:spcAft>
-            </a:pPr>
-            <a:r>
-              <a:rPr lang="en-US" sz="2000" b="1" kern="100" dirty="0">
-                <a:effectLst/>
-                <a:latin typeface="Calibri" panose="020F0502020204030204" pitchFamily="34" charset="0"/>
-                <a:ea typeface="Malgun Gothic" panose="020B0503020000020004" pitchFamily="34" charset="-127"/>
-                <a:cs typeface="Times New Roman" panose="02020603050405020304" pitchFamily="18" charset="0"/>
-              </a:rPr>
-              <a:t>Customer Experience</a:t>
-            </a:r>
-            <a:r>
-              <a:rPr lang="en-US" sz="2000" kern="100" dirty="0">
-                <a:effectLst/>
-                <a:latin typeface="Calibri" panose="020F0502020204030204" pitchFamily="34" charset="0"/>
-                <a:ea typeface="Malgun Gothic" panose="020B0503020000020004" pitchFamily="34" charset="-127"/>
-                <a:cs typeface="Times New Roman" panose="02020603050405020304" pitchFamily="18" charset="0"/>
-              </a:rPr>
-              <a:t>: Tailored credit products and early intervention strategies enhance customer satisfaction and loyalty.</a:t>
+              <a:t>: Integration of AI and machine learning will enable models to adapt in real-time, personalizing risk management strategies.</a:t>
             </a:r>
             <a:r>
               <a:rPr lang="en-US" sz="2000" b="1" kern="100" dirty="0">
@@ -5418,7 +5515,7 @@
                 <a:ea typeface="Malgun Gothic" panose="020B0503020000020004" pitchFamily="34" charset="-127"/>
                 <a:cs typeface="Times New Roman" panose="02020603050405020304" pitchFamily="18" charset="0"/>
               </a:rPr>
-              <a:t>Strategic Decision-Making</a:t>
+              <a:t>Innovation in Financial Services</a:t>
             </a:r>
             <a:r>
               <a:rPr lang="en-US" sz="2000" kern="100" dirty="0">
@@ -5427,7 +5524,53 @@
                 <a:ea typeface="Malgun Gothic" panose="020B0503020000020004" pitchFamily="34" charset="-127"/>
                 <a:cs typeface="Times New Roman" panose="02020603050405020304" pitchFamily="18" charset="0"/>
               </a:rPr>
-              <a:t>: Data-driven insights from predictive models inform strategic initiatives, promoting market expansion and product innovation.</a:t>
+              <a:t>: Predictive models will increasingly intersect with broader financial products, offering customers comprehensive management experiences and attracting new clientele with data-driven services.</a:t>
+            </a:r>
+            <a:r>
+              <a:rPr lang="en-US" sz="2000" b="1" kern="100" dirty="0">
+                <a:effectLst/>
+                <a:latin typeface="Calibri" panose="020F0502020204030204" pitchFamily="34" charset="0"/>
+                <a:ea typeface="Malgun Gothic" panose="020B0503020000020004" pitchFamily="34" charset="-127"/>
+                <a:cs typeface="Times New Roman" panose="02020603050405020304" pitchFamily="18" charset="0"/>
+              </a:rPr>
+              <a:t> </a:t>
+            </a:r>
+            <a:endParaRPr lang="en-US" sz="2000" kern="100" dirty="0">
+              <a:effectLst/>
+              <a:latin typeface="Calibri" panose="020F0502020204030204" pitchFamily="34" charset="0"/>
+              <a:ea typeface="Malgun Gothic" panose="020B0503020000020004" pitchFamily="34" charset="-127"/>
+              <a:cs typeface="Times New Roman" panose="02020603050405020304" pitchFamily="18" charset="0"/>
+            </a:endParaRPr>
+          </a:p>
+          <a:p>
+            <a:pPr marL="0" marR="0">
+              <a:lnSpc>
+                <a:spcPct val="107000"/>
+              </a:lnSpc>
+              <a:spcBef>
+                <a:spcPts val="0"/>
+              </a:spcBef>
+              <a:spcAft>
+                <a:spcPts val="800"/>
+              </a:spcAft>
+            </a:pPr>
+            <a:r>
+              <a:rPr lang="en-US" sz="2000" b="1" kern="100" dirty="0">
+                <a:effectLst/>
+                <a:latin typeface="Calibri" panose="020F0502020204030204" pitchFamily="34" charset="0"/>
+                <a:ea typeface="Malgun Gothic" panose="020B0503020000020004" pitchFamily="34" charset="-127"/>
+                <a:cs typeface="Times New Roman" panose="02020603050405020304" pitchFamily="18" charset="0"/>
+              </a:rPr>
+              <a:t>Adaptability and Compliance</a:t>
+            </a:r>
+            <a:r>
+              <a:rPr lang="en-US" sz="2000" kern="100" dirty="0">
+                <a:effectLst/>
+                <a:latin typeface="Calibri" panose="020F0502020204030204" pitchFamily="34" charset="0"/>
+                <a:ea typeface="Malgun Gothic" panose="020B0503020000020004" pitchFamily="34" charset="-127"/>
+                <a:cs typeface="Times New Roman" panose="02020603050405020304" pitchFamily="18" charset="0"/>
+              </a:rPr>
+              <a:t>: As the financial landscape evolves, these models will provide the agility needed to stay ahead in regulatory and market changes, ensuring responsible credit management practices.</a:t>
             </a:r>
           </a:p>
         </p:txBody>
@@ -5459,250 +5602,6 @@
       </p:grpSpPr>
       <p:sp>
         <p:nvSpPr>
-          <p:cNvPr id="2" name="Title 1"/>
-          <p:cNvSpPr>
-            <a:spLocks noGrp="1"/>
-          </p:cNvSpPr>
-          <p:nvPr>
-            <p:ph type="title"/>
-          </p:nvPr>
-        </p:nvSpPr>
-        <p:spPr>
-          <a:xfrm>
-            <a:off x="307909" y="160337"/>
-            <a:ext cx="8229600" cy="1143000"/>
-          </a:xfrm>
-        </p:spPr>
-        <p:txBody>
-          <a:bodyPr/>
-          <a:lstStyle/>
-          <a:p>
-            <a:r>
-              <a:rPr dirty="0"/>
-              <a:t>Future Work</a:t>
-            </a:r>
-          </a:p>
-        </p:txBody>
-      </p:sp>
-      <p:sp>
-        <p:nvSpPr>
-          <p:cNvPr id="3" name="Content Placeholder 2"/>
-          <p:cNvSpPr>
-            <a:spLocks noGrp="1"/>
-          </p:cNvSpPr>
-          <p:nvPr>
-            <p:ph idx="1"/>
-          </p:nvPr>
-        </p:nvSpPr>
-        <p:spPr>
-          <a:xfrm>
-            <a:off x="307909" y="1600200"/>
-            <a:ext cx="8612155" cy="4525963"/>
-          </a:xfrm>
-        </p:spPr>
-        <p:txBody>
-          <a:bodyPr>
-            <a:noAutofit/>
-          </a:bodyPr>
-          <a:lstStyle/>
-          <a:p>
-            <a:pPr marL="0" marR="0">
-              <a:lnSpc>
-                <a:spcPct val="107000"/>
-              </a:lnSpc>
-              <a:spcBef>
-                <a:spcPts val="0"/>
-              </a:spcBef>
-              <a:spcAft>
-                <a:spcPts val="800"/>
-              </a:spcAft>
-            </a:pPr>
-            <a:r>
-              <a:rPr lang="en-US" sz="2000" b="1" kern="100" dirty="0">
-                <a:effectLst/>
-                <a:latin typeface="Calibri" panose="020F0502020204030204" pitchFamily="34" charset="0"/>
-                <a:ea typeface="Malgun Gothic" panose="020B0503020000020004" pitchFamily="34" charset="-127"/>
-                <a:cs typeface="Times New Roman" panose="02020603050405020304" pitchFamily="18" charset="0"/>
-              </a:rPr>
-              <a:t>Enhanced Model Accuracy: </a:t>
-            </a:r>
-            <a:r>
-              <a:rPr lang="en-US" sz="2000" kern="100" dirty="0">
-                <a:effectLst/>
-                <a:latin typeface="Calibri" panose="020F0502020204030204" pitchFamily="34" charset="0"/>
-                <a:ea typeface="Malgun Gothic" panose="020B0503020000020004" pitchFamily="34" charset="-127"/>
-                <a:cs typeface="Times New Roman" panose="02020603050405020304" pitchFamily="18" charset="0"/>
-              </a:rPr>
-              <a:t>Continuous data collection and algorithm refinement will lead to more accurate, insightful risk assessments and proactive measures.</a:t>
-            </a:r>
-            <a:r>
-              <a:rPr lang="en-US" sz="2000" b="1" kern="100" dirty="0">
-                <a:effectLst/>
-                <a:latin typeface="Calibri" panose="020F0502020204030204" pitchFamily="34" charset="0"/>
-                <a:ea typeface="Malgun Gothic" panose="020B0503020000020004" pitchFamily="34" charset="-127"/>
-                <a:cs typeface="Times New Roman" panose="02020603050405020304" pitchFamily="18" charset="0"/>
-              </a:rPr>
-              <a:t> </a:t>
-            </a:r>
-            <a:endParaRPr lang="en-US" sz="2000" kern="100" dirty="0">
-              <a:effectLst/>
-              <a:latin typeface="Calibri" panose="020F0502020204030204" pitchFamily="34" charset="0"/>
-              <a:ea typeface="Malgun Gothic" panose="020B0503020000020004" pitchFamily="34" charset="-127"/>
-              <a:cs typeface="Times New Roman" panose="02020603050405020304" pitchFamily="18" charset="0"/>
-            </a:endParaRPr>
-          </a:p>
-          <a:p>
-            <a:pPr marL="0" marR="0">
-              <a:lnSpc>
-                <a:spcPct val="107000"/>
-              </a:lnSpc>
-              <a:spcBef>
-                <a:spcPts val="0"/>
-              </a:spcBef>
-              <a:spcAft>
-                <a:spcPts val="800"/>
-              </a:spcAft>
-            </a:pPr>
-            <a:r>
-              <a:rPr lang="en-US" sz="2000" b="1" kern="100" dirty="0">
-                <a:effectLst/>
-                <a:latin typeface="Calibri" panose="020F0502020204030204" pitchFamily="34" charset="0"/>
-                <a:ea typeface="Malgun Gothic" panose="020B0503020000020004" pitchFamily="34" charset="-127"/>
-                <a:cs typeface="Times New Roman" panose="02020603050405020304" pitchFamily="18" charset="0"/>
-              </a:rPr>
-              <a:t>Technological Advancements</a:t>
-            </a:r>
-            <a:r>
-              <a:rPr lang="en-US" sz="2000" kern="100" dirty="0">
-                <a:effectLst/>
-                <a:latin typeface="Calibri" panose="020F0502020204030204" pitchFamily="34" charset="0"/>
-                <a:ea typeface="Malgun Gothic" panose="020B0503020000020004" pitchFamily="34" charset="-127"/>
-                <a:cs typeface="Times New Roman" panose="02020603050405020304" pitchFamily="18" charset="0"/>
-              </a:rPr>
-              <a:t>: Integration of AI and machine learning will enable models to adapt in real-time, personalizing risk management strategies.</a:t>
-            </a:r>
-            <a:r>
-              <a:rPr lang="en-US" sz="2000" b="1" kern="100" dirty="0">
-                <a:effectLst/>
-                <a:latin typeface="Calibri" panose="020F0502020204030204" pitchFamily="34" charset="0"/>
-                <a:ea typeface="Malgun Gothic" panose="020B0503020000020004" pitchFamily="34" charset="-127"/>
-                <a:cs typeface="Times New Roman" panose="02020603050405020304" pitchFamily="18" charset="0"/>
-              </a:rPr>
-              <a:t> </a:t>
-            </a:r>
-            <a:endParaRPr lang="en-US" sz="2000" kern="100" dirty="0">
-              <a:effectLst/>
-              <a:latin typeface="Calibri" panose="020F0502020204030204" pitchFamily="34" charset="0"/>
-              <a:ea typeface="Malgun Gothic" panose="020B0503020000020004" pitchFamily="34" charset="-127"/>
-              <a:cs typeface="Times New Roman" panose="02020603050405020304" pitchFamily="18" charset="0"/>
-            </a:endParaRPr>
-          </a:p>
-          <a:p>
-            <a:pPr marL="0" marR="0">
-              <a:lnSpc>
-                <a:spcPct val="107000"/>
-              </a:lnSpc>
-              <a:spcBef>
-                <a:spcPts val="0"/>
-              </a:spcBef>
-              <a:spcAft>
-                <a:spcPts val="800"/>
-              </a:spcAft>
-            </a:pPr>
-            <a:r>
-              <a:rPr lang="en-US" sz="2000" b="1" kern="100" dirty="0">
-                <a:effectLst/>
-                <a:latin typeface="Calibri" panose="020F0502020204030204" pitchFamily="34" charset="0"/>
-                <a:ea typeface="Malgun Gothic" panose="020B0503020000020004" pitchFamily="34" charset="-127"/>
-                <a:cs typeface="Times New Roman" panose="02020603050405020304" pitchFamily="18" charset="0"/>
-              </a:rPr>
-              <a:t>Innovation in Financial Services</a:t>
-            </a:r>
-            <a:r>
-              <a:rPr lang="en-US" sz="2000" kern="100" dirty="0">
-                <a:effectLst/>
-                <a:latin typeface="Calibri" panose="020F0502020204030204" pitchFamily="34" charset="0"/>
-                <a:ea typeface="Malgun Gothic" panose="020B0503020000020004" pitchFamily="34" charset="-127"/>
-                <a:cs typeface="Times New Roman" panose="02020603050405020304" pitchFamily="18" charset="0"/>
-              </a:rPr>
-              <a:t>: Predictive models will increasingly intersect with broader financial products, offering customers comprehensive management experiences and attracting new clientele with data-driven services.</a:t>
-            </a:r>
-            <a:r>
-              <a:rPr lang="en-US" sz="2000" b="1" kern="100" dirty="0">
-                <a:effectLst/>
-                <a:latin typeface="Calibri" panose="020F0502020204030204" pitchFamily="34" charset="0"/>
-                <a:ea typeface="Malgun Gothic" panose="020B0503020000020004" pitchFamily="34" charset="-127"/>
-                <a:cs typeface="Times New Roman" panose="02020603050405020304" pitchFamily="18" charset="0"/>
-              </a:rPr>
-              <a:t> </a:t>
-            </a:r>
-            <a:endParaRPr lang="en-US" sz="2000" kern="100" dirty="0">
-              <a:effectLst/>
-              <a:latin typeface="Calibri" panose="020F0502020204030204" pitchFamily="34" charset="0"/>
-              <a:ea typeface="Malgun Gothic" panose="020B0503020000020004" pitchFamily="34" charset="-127"/>
-              <a:cs typeface="Times New Roman" panose="02020603050405020304" pitchFamily="18" charset="0"/>
-            </a:endParaRPr>
-          </a:p>
-          <a:p>
-            <a:pPr marL="0" marR="0">
-              <a:lnSpc>
-                <a:spcPct val="107000"/>
-              </a:lnSpc>
-              <a:spcBef>
-                <a:spcPts val="0"/>
-              </a:spcBef>
-              <a:spcAft>
-                <a:spcPts val="800"/>
-              </a:spcAft>
-            </a:pPr>
-            <a:r>
-              <a:rPr lang="en-US" sz="2000" b="1" kern="100" dirty="0">
-                <a:effectLst/>
-                <a:latin typeface="Calibri" panose="020F0502020204030204" pitchFamily="34" charset="0"/>
-                <a:ea typeface="Malgun Gothic" panose="020B0503020000020004" pitchFamily="34" charset="-127"/>
-                <a:cs typeface="Times New Roman" panose="02020603050405020304" pitchFamily="18" charset="0"/>
-              </a:rPr>
-              <a:t>Adaptability and Compliance</a:t>
-            </a:r>
-            <a:r>
-              <a:rPr lang="en-US" sz="2000" kern="100" dirty="0">
-                <a:effectLst/>
-                <a:latin typeface="Calibri" panose="020F0502020204030204" pitchFamily="34" charset="0"/>
-                <a:ea typeface="Malgun Gothic" panose="020B0503020000020004" pitchFamily="34" charset="-127"/>
-                <a:cs typeface="Times New Roman" panose="02020603050405020304" pitchFamily="18" charset="0"/>
-              </a:rPr>
-              <a:t>: As the financial landscape evolves, these models will provide the agility needed to stay ahead in regulatory and market changes, ensuring responsible credit management practices.</a:t>
-            </a:r>
-          </a:p>
-        </p:txBody>
-      </p:sp>
-    </p:spTree>
-  </p:cSld>
-  <p:clrMapOvr>
-    <a:masterClrMapping/>
-  </p:clrMapOvr>
-</p:sld>
-</file>
-
-<file path=ppt/slides/slide15.xml><?xml version="1.0" encoding="utf-8"?>
-<p:sld xmlns:a="http://schemas.openxmlformats.org/drawingml/2006/main" xmlns:r="http://schemas.openxmlformats.org/officeDocument/2006/relationships" xmlns:p="http://schemas.openxmlformats.org/presentationml/2006/main">
-  <p:cSld>
-    <p:spTree>
-      <p:nvGrpSpPr>
-        <p:cNvPr id="1" name=""/>
-        <p:cNvGrpSpPr/>
-        <p:nvPr/>
-      </p:nvGrpSpPr>
-      <p:grpSpPr>
-        <a:xfrm>
-          <a:off x="0" y="0"/>
-          <a:ext cx="0" cy="0"/>
-          <a:chOff x="0" y="0"/>
-          <a:chExt cx="0" cy="0"/>
-        </a:xfrm>
-      </p:grpSpPr>
-      <p:sp>
-        <p:nvSpPr>
           <p:cNvPr id="3" name="Content Placeholder 2"/>
           <p:cNvSpPr>
             <a:spLocks noGrp="1"/>
@@ -5768,7 +5667,13 @@
       </p:grpSpPr>
       <p:sp>
         <p:nvSpPr>
-          <p:cNvPr id="2" name="Title 1"/>
+          <p:cNvPr id="2" name="Title 1">
+            <a:extLst>
+              <a:ext uri="{FF2B5EF4-FFF2-40B4-BE49-F238E27FC236}">
+                <a16:creationId xmlns:a16="http://schemas.microsoft.com/office/drawing/2014/main" id="{C28BE77F-4B34-3F22-9582-0B8BCFE9C8CF}"/>
+              </a:ext>
+            </a:extLst>
+          </p:cNvPr>
           <p:cNvSpPr>
             <a:spLocks noGrp="1"/>
           </p:cNvSpPr>
@@ -5782,6 +5687,7 @@
           <a:lstStyle/>
           <a:p>
             <a:r>
+              <a:rPr lang="en-US" dirty="0"/>
               <a:t>Problem Statement</a:t>
             </a:r>
           </a:p>
@@ -5789,7 +5695,13 @@
       </p:sp>
       <p:sp>
         <p:nvSpPr>
-          <p:cNvPr id="3" name="Content Placeholder 2"/>
+          <p:cNvPr id="3" name="Content Placeholder 2">
+            <a:extLst>
+              <a:ext uri="{FF2B5EF4-FFF2-40B4-BE49-F238E27FC236}">
+                <a16:creationId xmlns:a16="http://schemas.microsoft.com/office/drawing/2014/main" id="{BCD43CC9-1A54-7820-8D99-A46E9941E4A7}"/>
+              </a:ext>
+            </a:extLst>
+          </p:cNvPr>
           <p:cNvSpPr>
             <a:spLocks noGrp="1"/>
           </p:cNvSpPr>
@@ -5800,22 +5712,176 @@
         <p:spPr/>
         <p:txBody>
           <a:bodyPr>
-            <a:normAutofit fontScale="85000" lnSpcReduction="10000"/>
+            <a:normAutofit/>
           </a:bodyPr>
           <a:lstStyle/>
           <a:p>
-            <a:pPr marL="0" indent="0" algn="just">
-              <a:buNone/>
+            <a:pPr marL="342900" marR="0" lvl="0" indent="-342900">
+              <a:lnSpc>
+                <a:spcPct val="107000"/>
+              </a:lnSpc>
+              <a:spcBef>
+                <a:spcPts val="0"/>
+              </a:spcBef>
+              <a:spcAft>
+                <a:spcPts val="0"/>
+              </a:spcAft>
+              <a:buFont typeface="Symbol" panose="05050102010706020507" pitchFamily="18" charset="2"/>
+              <a:buChar char=""/>
             </a:pPr>
             <a:r>
-              <a:rPr lang="en-US" dirty="0"/>
-              <a:t>This project focuses on predicting credit card default risk using data from April to September 2005, blending advanced statistical methods with deep analysis of demographic and credit data. Drawing from key predictive analytics techniques, it offers a rich exploration of credit behaviors and risk factors, leading to a predictive model that enhances decision-making for credit card companies. The approach includes rigorous data cleaning, exploratory analysis, and model evaluation. This work not only addresses immediate risk assessment needs but also sets a foundation for future advancements in the field.</a:t>
-            </a:r>
-            <a:endParaRPr dirty="0"/>
+              <a:rPr lang="en-US" sz="2400" kern="100" dirty="0">
+                <a:effectLst/>
+                <a:latin typeface="Calibri" panose="020F0502020204030204" pitchFamily="34" charset="0"/>
+                <a:ea typeface="Malgun Gothic" panose="020B0503020000020004" pitchFamily="34" charset="-127"/>
+                <a:cs typeface="Times New Roman" panose="02020603050405020304" pitchFamily="18" charset="0"/>
+              </a:rPr>
+              <a:t>Objective: Develop a predictive model to assess credit card default risk using data from April to September 2005.</a:t>
+            </a:r>
+          </a:p>
+          <a:p>
+            <a:pPr marL="342900" marR="0" lvl="0" indent="-342900">
+              <a:lnSpc>
+                <a:spcPct val="107000"/>
+              </a:lnSpc>
+              <a:spcBef>
+                <a:spcPts val="0"/>
+              </a:spcBef>
+              <a:spcAft>
+                <a:spcPts val="0"/>
+              </a:spcAft>
+              <a:buFont typeface="Symbol" panose="05050102010706020507" pitchFamily="18" charset="2"/>
+              <a:buChar char=""/>
+            </a:pPr>
+            <a:r>
+              <a:rPr lang="en-US" sz="2400" kern="100" dirty="0">
+                <a:effectLst/>
+                <a:latin typeface="Calibri" panose="020F0502020204030204" pitchFamily="34" charset="0"/>
+                <a:ea typeface="Malgun Gothic" panose="020B0503020000020004" pitchFamily="34" charset="-127"/>
+                <a:cs typeface="Times New Roman" panose="02020603050405020304" pitchFamily="18" charset="0"/>
+              </a:rPr>
+              <a:t>Methods: Utilize advanced statistical techniques and in-depth demographic and credit data analysis.</a:t>
+            </a:r>
+          </a:p>
+          <a:p>
+            <a:pPr marL="342900" marR="0" lvl="0" indent="-342900">
+              <a:lnSpc>
+                <a:spcPct val="107000"/>
+              </a:lnSpc>
+              <a:spcBef>
+                <a:spcPts val="0"/>
+              </a:spcBef>
+              <a:spcAft>
+                <a:spcPts val="0"/>
+              </a:spcAft>
+              <a:buFont typeface="Symbol" panose="05050102010706020507" pitchFamily="18" charset="2"/>
+              <a:buChar char=""/>
+            </a:pPr>
+            <a:r>
+              <a:rPr lang="en-US" sz="2400" kern="100" dirty="0">
+                <a:effectLst/>
+                <a:latin typeface="Calibri" panose="020F0502020204030204" pitchFamily="34" charset="0"/>
+                <a:ea typeface="Malgun Gothic" panose="020B0503020000020004" pitchFamily="34" charset="-127"/>
+                <a:cs typeface="Times New Roman" panose="02020603050405020304" pitchFamily="18" charset="0"/>
+              </a:rPr>
+              <a:t>Process:</a:t>
+            </a:r>
+          </a:p>
+          <a:p>
+            <a:pPr lvl="1" indent="-342900">
+              <a:lnSpc>
+                <a:spcPct val="107000"/>
+              </a:lnSpc>
+              <a:spcBef>
+                <a:spcPts val="0"/>
+              </a:spcBef>
+              <a:buFont typeface="Wingdings" panose="05000000000000000000" pitchFamily="2" charset="2"/>
+              <a:buChar char=""/>
+            </a:pPr>
+            <a:r>
+              <a:rPr lang="en-US" sz="2400" kern="100" dirty="0">
+                <a:effectLst/>
+                <a:latin typeface="Calibri" panose="020F0502020204030204" pitchFamily="34" charset="0"/>
+                <a:ea typeface="Malgun Gothic" panose="020B0503020000020004" pitchFamily="34" charset="-127"/>
+                <a:cs typeface="Times New Roman" panose="02020603050405020304" pitchFamily="18" charset="0"/>
+              </a:rPr>
+              <a:t>Rigorous data cleaning</a:t>
+            </a:r>
+          </a:p>
+          <a:p>
+            <a:pPr lvl="1" indent="-342900">
+              <a:lnSpc>
+                <a:spcPct val="107000"/>
+              </a:lnSpc>
+              <a:spcBef>
+                <a:spcPts val="0"/>
+              </a:spcBef>
+              <a:buFont typeface="Wingdings" panose="05000000000000000000" pitchFamily="2" charset="2"/>
+              <a:buChar char=""/>
+            </a:pPr>
+            <a:r>
+              <a:rPr lang="en-US" sz="2400" kern="100" dirty="0">
+                <a:effectLst/>
+                <a:latin typeface="Calibri" panose="020F0502020204030204" pitchFamily="34" charset="0"/>
+                <a:ea typeface="Malgun Gothic" panose="020B0503020000020004" pitchFamily="34" charset="-127"/>
+                <a:cs typeface="Times New Roman" panose="02020603050405020304" pitchFamily="18" charset="0"/>
+              </a:rPr>
+              <a:t>Comprehensive exploratory analysis</a:t>
+            </a:r>
+          </a:p>
+          <a:p>
+            <a:pPr lvl="1" indent="-342900">
+              <a:lnSpc>
+                <a:spcPct val="107000"/>
+              </a:lnSpc>
+              <a:spcBef>
+                <a:spcPts val="0"/>
+              </a:spcBef>
+              <a:buFont typeface="Wingdings" panose="05000000000000000000" pitchFamily="2" charset="2"/>
+              <a:buChar char=""/>
+            </a:pPr>
+            <a:r>
+              <a:rPr lang="en-US" sz="2400" kern="100" dirty="0">
+                <a:effectLst/>
+                <a:latin typeface="Calibri" panose="020F0502020204030204" pitchFamily="34" charset="0"/>
+                <a:ea typeface="Malgun Gothic" panose="020B0503020000020004" pitchFamily="34" charset="-127"/>
+                <a:cs typeface="Times New Roman" panose="02020603050405020304" pitchFamily="18" charset="0"/>
+              </a:rPr>
+              <a:t>Detailed model evaluation</a:t>
+            </a:r>
+          </a:p>
+          <a:p>
+            <a:pPr marL="342900" marR="0" lvl="0" indent="-342900">
+              <a:lnSpc>
+                <a:spcPct val="107000"/>
+              </a:lnSpc>
+              <a:spcBef>
+                <a:spcPts val="0"/>
+              </a:spcBef>
+              <a:spcAft>
+                <a:spcPts val="800"/>
+              </a:spcAft>
+              <a:buFont typeface="Symbol" panose="05050102010706020507" pitchFamily="18" charset="2"/>
+              <a:buChar char=""/>
+            </a:pPr>
+            <a:r>
+              <a:rPr lang="en-US" sz="2400" kern="100" dirty="0">
+                <a:effectLst/>
+                <a:latin typeface="Calibri" panose="020F0502020204030204" pitchFamily="34" charset="0"/>
+                <a:ea typeface="Malgun Gothic" panose="020B0503020000020004" pitchFamily="34" charset="-127"/>
+                <a:cs typeface="Times New Roman" panose="02020603050405020304" pitchFamily="18" charset="0"/>
+              </a:rPr>
+              <a:t>Impact: Enhance decision-making for credit card companies and provide a basis for future research in risk assessment.</a:t>
+            </a:r>
           </a:p>
         </p:txBody>
       </p:sp>
     </p:spTree>
+    <p:extLst>
+      <p:ext uri="{BB962C8B-B14F-4D97-AF65-F5344CB8AC3E}">
+        <p14:creationId xmlns:p14="http://schemas.microsoft.com/office/powerpoint/2010/main" val="1973636168"/>
+      </p:ext>
+    </p:extLst>
   </p:cSld>
   <p:clrMapOvr>
     <a:masterClrMapping/>
@@ -5967,51 +6033,147 @@
         </p:nvSpPr>
         <p:spPr>
           <a:xfrm>
-            <a:off x="457200" y="521209"/>
+            <a:off x="457200" y="100902"/>
             <a:ext cx="8229600" cy="1143000"/>
           </a:xfrm>
         </p:spPr>
         <p:txBody>
-          <a:bodyPr>
-            <a:normAutofit fontScale="90000"/>
+          <a:bodyPr/>
+          <a:lstStyle/>
+          <a:p>
+            <a:r>
+              <a:rPr dirty="0"/>
+              <a:t>Demographics Analysis</a:t>
+            </a:r>
+          </a:p>
+        </p:txBody>
+      </p:sp>
+      <p:pic>
+        <p:nvPicPr>
+          <p:cNvPr id="9" name="Content Placeholder 8">
+            <a:extLst>
+              <a:ext uri="{FF2B5EF4-FFF2-40B4-BE49-F238E27FC236}">
+                <a16:creationId xmlns:a16="http://schemas.microsoft.com/office/drawing/2014/main" id="{133A60E3-B9F2-CE53-1314-058DDD2EC244}"/>
+              </a:ext>
+            </a:extLst>
+          </p:cNvPr>
+          <p:cNvPicPr>
+            <a:picLocks noGrp="1" noChangeAspect="1"/>
+          </p:cNvPicPr>
+          <p:nvPr>
+            <p:ph idx="1"/>
+          </p:nvPr>
+        </p:nvPicPr>
+        <p:blipFill>
+          <a:blip r:embed="rId2"/>
+          <a:stretch>
+            <a:fillRect/>
+          </a:stretch>
+        </p:blipFill>
+        <p:spPr>
+          <a:xfrm>
+            <a:off x="406908" y="3634581"/>
+            <a:ext cx="8330184" cy="2948781"/>
+          </a:xfrm>
+        </p:spPr>
+      </p:pic>
+      <p:sp>
+        <p:nvSpPr>
+          <p:cNvPr id="11" name="TextBox 10">
+            <a:extLst>
+              <a:ext uri="{FF2B5EF4-FFF2-40B4-BE49-F238E27FC236}">
+                <a16:creationId xmlns:a16="http://schemas.microsoft.com/office/drawing/2014/main" id="{9614422D-6C4E-4F30-F263-2612E3D2604C}"/>
+              </a:ext>
+            </a:extLst>
+          </p:cNvPr>
+          <p:cNvSpPr txBox="1"/>
+          <p:nvPr/>
+        </p:nvSpPr>
+        <p:spPr>
+          <a:xfrm>
+            <a:off x="406908" y="1243902"/>
+            <a:ext cx="8517636" cy="2062552"/>
+          </a:xfrm>
+          <a:prstGeom prst="rect">
+            <a:avLst/>
+          </a:prstGeom>
+          <a:noFill/>
+        </p:spPr>
+        <p:txBody>
+          <a:bodyPr wrap="square">
+            <a:spAutoFit/>
           </a:bodyPr>
           <a:lstStyle/>
           <a:p>
-            <a:r>
-              <a:rPr dirty="0"/>
-              <a:t>Exploratory Data Analysis (EDA) Overview</a:t>
-            </a:r>
-          </a:p>
-        </p:txBody>
-      </p:sp>
-      <p:sp>
-        <p:nvSpPr>
-          <p:cNvPr id="3" name="Content Placeholder 2"/>
-          <p:cNvSpPr>
-            <a:spLocks noGrp="1"/>
-          </p:cNvSpPr>
-          <p:nvPr>
-            <p:ph idx="1"/>
-          </p:nvPr>
-        </p:nvSpPr>
-        <p:spPr>
-          <a:xfrm>
-            <a:off x="576072" y="2569464"/>
-            <a:ext cx="8229600" cy="2624327"/>
-          </a:xfrm>
-        </p:spPr>
-        <p:txBody>
-          <a:bodyPr>
-            <a:normAutofit/>
-          </a:bodyPr>
-          <a:lstStyle/>
-          <a:p>
-            <a:pPr marL="0" indent="0" algn="just">
-              <a:buNone/>
+            <a:pPr marL="285750" marR="0" indent="-285750">
+              <a:lnSpc>
+                <a:spcPct val="107000"/>
+              </a:lnSpc>
+              <a:spcBef>
+                <a:spcPts val="0"/>
+              </a:spcBef>
+              <a:spcAft>
+                <a:spcPts val="800"/>
+              </a:spcAft>
+              <a:buFont typeface="Arial" panose="020B0604020202020204" pitchFamily="34" charset="0"/>
+              <a:buChar char="•"/>
             </a:pPr>
             <a:r>
-              <a:rPr dirty="0"/>
-              <a:t>EDA focused on understanding the demographic makeup, age distribution, repayment status, previous payment patterns, and bill amounts, along with their relationship to default risk.</a:t>
+              <a:rPr lang="en-US" sz="1800" kern="100" dirty="0">
+                <a:effectLst/>
+                <a:latin typeface="Calibri" panose="020F0502020204030204" pitchFamily="34" charset="0"/>
+                <a:ea typeface="Malgun Gothic" panose="020B0503020000020004" pitchFamily="34" charset="-127"/>
+                <a:cs typeface="Times New Roman" panose="02020603050405020304" pitchFamily="18" charset="0"/>
+              </a:rPr>
+              <a:t>Females have a slightly lower default rate than males, suggesting minor differences in financial behavior by gender.</a:t>
+            </a:r>
+          </a:p>
+          <a:p>
+            <a:pPr marL="285750" marR="0" indent="-285750">
+              <a:lnSpc>
+                <a:spcPct val="107000"/>
+              </a:lnSpc>
+              <a:spcBef>
+                <a:spcPts val="0"/>
+              </a:spcBef>
+              <a:spcAft>
+                <a:spcPts val="800"/>
+              </a:spcAft>
+              <a:buFont typeface="Arial" panose="020B0604020202020204" pitchFamily="34" charset="0"/>
+              <a:buChar char="•"/>
+            </a:pPr>
+            <a:r>
+              <a:rPr lang="en-US" sz="1800" kern="100" dirty="0">
+                <a:effectLst/>
+                <a:latin typeface="Calibri" panose="020F0502020204030204" pitchFamily="34" charset="0"/>
+                <a:ea typeface="Malgun Gothic" panose="020B0503020000020004" pitchFamily="34" charset="-127"/>
+                <a:cs typeface="Times New Roman" panose="02020603050405020304" pitchFamily="18" charset="0"/>
+              </a:rPr>
+              <a:t>Higher default rates are seen in those with university-level education compared to graduates, indicating varying financial stability across education levels.</a:t>
+            </a:r>
+          </a:p>
+          <a:p>
+            <a:pPr marL="285750" marR="0" indent="-285750">
+              <a:lnSpc>
+                <a:spcPct val="107000"/>
+              </a:lnSpc>
+              <a:spcBef>
+                <a:spcPts val="0"/>
+              </a:spcBef>
+              <a:spcAft>
+                <a:spcPts val="800"/>
+              </a:spcAft>
+              <a:buFont typeface="Arial" panose="020B0604020202020204" pitchFamily="34" charset="0"/>
+              <a:buChar char="•"/>
+            </a:pPr>
+            <a:r>
+              <a:rPr lang="en-US" sz="1800" kern="100" dirty="0">
+                <a:effectLst/>
+                <a:latin typeface="Calibri" panose="020F0502020204030204" pitchFamily="34" charset="0"/>
+                <a:ea typeface="Malgun Gothic" panose="020B0503020000020004" pitchFamily="34" charset="-127"/>
+                <a:cs typeface="Times New Roman" panose="02020603050405020304" pitchFamily="18" charset="0"/>
+              </a:rPr>
+              <a:t>Married individuals show the highest default rates, potentially reflecting financial pressures linked to marital responsibilities.</a:t>
             </a:r>
           </a:p>
         </p:txBody>
@@ -6051,59 +6213,19 @@
             <p:ph type="title"/>
           </p:nvPr>
         </p:nvSpPr>
-        <p:spPr/>
+        <p:spPr>
+          <a:xfrm>
+            <a:off x="364837" y="-76343"/>
+            <a:ext cx="8229600" cy="1143000"/>
+          </a:xfrm>
+        </p:spPr>
         <p:txBody>
           <a:bodyPr/>
           <a:lstStyle/>
           <a:p>
             <a:r>
-              <a:t>Demographics Analysis</a:t>
-            </a:r>
-          </a:p>
-        </p:txBody>
-      </p:sp>
-      <p:sp>
-        <p:nvSpPr>
-          <p:cNvPr id="3" name="Content Placeholder 2"/>
-          <p:cNvSpPr>
-            <a:spLocks noGrp="1"/>
-          </p:cNvSpPr>
-          <p:nvPr>
-            <p:ph idx="1"/>
-          </p:nvPr>
-        </p:nvSpPr>
-        <p:spPr>
-          <a:xfrm>
-            <a:off x="228600" y="1445071"/>
-            <a:ext cx="8458200" cy="521208"/>
-          </a:xfrm>
-        </p:spPr>
-        <p:txBody>
-          <a:bodyPr>
-            <a:normAutofit/>
-          </a:bodyPr>
-          <a:lstStyle/>
-          <a:p>
-            <a:pPr marL="0" marR="0" indent="0">
-              <a:lnSpc>
-                <a:spcPct val="107000"/>
-              </a:lnSpc>
-              <a:spcBef>
-                <a:spcPts val="0"/>
-              </a:spcBef>
-              <a:spcAft>
-                <a:spcPts val="800"/>
-              </a:spcAft>
-              <a:buNone/>
-            </a:pPr>
-            <a:r>
-              <a:rPr lang="en-US" sz="2000" kern="100" dirty="0">
-                <a:effectLst/>
-                <a:latin typeface="Calibri" panose="020F0502020204030204" pitchFamily="34" charset="0"/>
-                <a:ea typeface="Malgun Gothic" panose="020B0503020000020004" pitchFamily="34" charset="-127"/>
-                <a:cs typeface="Times New Roman" panose="02020603050405020304" pitchFamily="18" charset="0"/>
-              </a:rPr>
-              <a:t>Evaluate how gender, education, and marital status relate to credit default risk.</a:t>
+              <a:rPr dirty="0"/>
+              <a:t>Age Distribution</a:t>
             </a:r>
           </a:p>
         </p:txBody>
@@ -6113,7 +6235,7 @@
           <p:cNvPr id="7" name="Picture 6">
             <a:extLst>
               <a:ext uri="{FF2B5EF4-FFF2-40B4-BE49-F238E27FC236}">
-                <a16:creationId xmlns:a16="http://schemas.microsoft.com/office/drawing/2014/main" id="{DA352F04-F34A-5493-274E-9B654B0FB2E7}"/>
+                <a16:creationId xmlns:a16="http://schemas.microsoft.com/office/drawing/2014/main" id="{15CA8391-D22B-E372-9E8A-9BA23DFC5208}"/>
               </a:ext>
             </a:extLst>
           </p:cNvPr>
@@ -6130,8 +6252,8 @@
         </p:blipFill>
         <p:spPr>
           <a:xfrm>
-            <a:off x="3575304" y="2286000"/>
-            <a:ext cx="6135624" cy="2962656"/>
+            <a:off x="110837" y="2399422"/>
+            <a:ext cx="9033163" cy="4828032"/>
           </a:xfrm>
           <a:prstGeom prst="rect">
             <a:avLst/>
@@ -6140,10 +6262,10 @@
       </p:pic>
       <p:sp>
         <p:nvSpPr>
-          <p:cNvPr id="8" name="TextBox 7">
+          <p:cNvPr id="4" name="TextBox 3">
             <a:extLst>
               <a:ext uri="{FF2B5EF4-FFF2-40B4-BE49-F238E27FC236}">
-                <a16:creationId xmlns:a16="http://schemas.microsoft.com/office/drawing/2014/main" id="{85C43DF2-164A-8CA4-DB33-7140956EECC8}"/>
+                <a16:creationId xmlns:a16="http://schemas.microsoft.com/office/drawing/2014/main" id="{343284DD-466F-1826-228E-5BAD00F8B201}"/>
               </a:ext>
             </a:extLst>
           </p:cNvPr>
@@ -6152,8 +6274,8 @@
         </p:nvSpPr>
         <p:spPr>
           <a:xfrm>
-            <a:off x="0" y="2286000"/>
-            <a:ext cx="4023360" cy="3640740"/>
+            <a:off x="364837" y="938958"/>
+            <a:ext cx="8668326" cy="1754326"/>
           </a:xfrm>
           <a:prstGeom prst="rect">
             <a:avLst/>
@@ -6161,103 +6283,39 @@
           <a:noFill/>
         </p:spPr>
         <p:txBody>
-          <a:bodyPr wrap="square" rtlCol="0">
+          <a:bodyPr wrap="square">
             <a:spAutoFit/>
           </a:bodyPr>
           <a:lstStyle/>
           <a:p>
-            <a:pPr marL="0" marR="0" algn="just">
-              <a:lnSpc>
-                <a:spcPct val="107000"/>
-              </a:lnSpc>
-              <a:spcBef>
-                <a:spcPts val="0"/>
-              </a:spcBef>
-              <a:spcAft>
-                <a:spcPts val="800"/>
-              </a:spcAft>
+            <a:pPr marL="285750" indent="-285750">
+              <a:buFont typeface="Arial" panose="020B0604020202020204" pitchFamily="34" charset="0"/>
+              <a:buChar char="•"/>
             </a:pPr>
             <a:r>
-              <a:rPr lang="en-US" sz="1800" b="1" kern="100" dirty="0">
-                <a:effectLst/>
-                <a:latin typeface="Calibri" panose="020F0502020204030204" pitchFamily="34" charset="0"/>
-                <a:ea typeface="Malgun Gothic" panose="020B0503020000020004" pitchFamily="34" charset="-127"/>
-                <a:cs typeface="Times New Roman" panose="02020603050405020304" pitchFamily="18" charset="0"/>
-              </a:rPr>
-              <a:t>Gender Dynamics</a:t>
-            </a:r>
-            <a:r>
-              <a:rPr lang="en-US" sz="1800" kern="100" dirty="0">
-                <a:effectLst/>
-                <a:latin typeface="Calibri" panose="020F0502020204030204" pitchFamily="34" charset="0"/>
-                <a:ea typeface="Malgun Gothic" panose="020B0503020000020004" pitchFamily="34" charset="-127"/>
-                <a:cs typeface="Times New Roman" panose="02020603050405020304" pitchFamily="18" charset="0"/>
-              </a:rPr>
-              <a:t>: Identify distinct default patterns between males and females to infer financial management differences.</a:t>
-            </a:r>
-          </a:p>
-          <a:p>
-            <a:pPr marL="0" marR="0" algn="just">
-              <a:lnSpc>
-                <a:spcPct val="107000"/>
-              </a:lnSpc>
-              <a:spcBef>
-                <a:spcPts val="0"/>
-              </a:spcBef>
-              <a:spcAft>
-                <a:spcPts val="800"/>
-              </a:spcAft>
+              <a:rPr lang="en-US" dirty="0"/>
+              <a:t>Majority of clients aged between 20-40, with highest default rates in mid-20s to early 30s.</a:t>
+            </a:r>
+          </a:p>
+          <a:p>
+            <a:pPr marL="285750" indent="-285750">
+              <a:buFont typeface="Arial" panose="020B0604020202020204" pitchFamily="34" charset="0"/>
+              <a:buChar char="•"/>
             </a:pPr>
             <a:r>
-              <a:rPr lang="en-US" b="1" kern="100" dirty="0">
-                <a:latin typeface="Calibri" panose="020F0502020204030204" pitchFamily="34" charset="0"/>
-                <a:ea typeface="Malgun Gothic" panose="020B0503020000020004" pitchFamily="34" charset="-127"/>
-                <a:cs typeface="Times New Roman" panose="02020603050405020304" pitchFamily="18" charset="0"/>
-              </a:rPr>
-              <a:t>Educational Impact</a:t>
-            </a:r>
-            <a:r>
-              <a:rPr lang="en-US" sz="1800" kern="100" dirty="0">
-                <a:effectLst/>
-                <a:latin typeface="Calibri" panose="020F0502020204030204" pitchFamily="34" charset="0"/>
-                <a:ea typeface="Malgun Gothic" panose="020B0503020000020004" pitchFamily="34" charset="-127"/>
-                <a:cs typeface="Times New Roman" panose="02020603050405020304" pitchFamily="18" charset="0"/>
-              </a:rPr>
-              <a:t>: Assess the link between education level and financial stability, highlighting default tendencies.</a:t>
-            </a:r>
-          </a:p>
-          <a:p>
-            <a:pPr marL="0" marR="0" algn="just">
-              <a:lnSpc>
-                <a:spcPct val="107000"/>
-              </a:lnSpc>
-              <a:spcBef>
-                <a:spcPts val="0"/>
-              </a:spcBef>
-              <a:spcAft>
-                <a:spcPts val="800"/>
-              </a:spcAft>
+              <a:rPr lang="en-US" dirty="0"/>
+              <a:t>Younger clients demonstrate greater credit usage, significantly represented in both default and non-default groups.</a:t>
+            </a:r>
+          </a:p>
+          <a:p>
+            <a:pPr marL="285750" indent="-285750">
+              <a:buFont typeface="Arial" panose="020B0604020202020204" pitchFamily="34" charset="0"/>
+              <a:buChar char="•"/>
             </a:pPr>
             <a:r>
-              <a:rPr lang="en-US" b="1" kern="100" dirty="0">
-                <a:latin typeface="Calibri" panose="020F0502020204030204" pitchFamily="34" charset="0"/>
-                <a:ea typeface="Malgun Gothic" panose="020B0503020000020004" pitchFamily="34" charset="-127"/>
-                <a:cs typeface="Times New Roman" panose="02020603050405020304" pitchFamily="18" charset="0"/>
-              </a:rPr>
-              <a:t>Marital Status Influence</a:t>
-            </a:r>
-            <a:r>
-              <a:rPr lang="en-US" sz="1800" kern="100" dirty="0">
-                <a:effectLst/>
-                <a:latin typeface="Calibri" panose="020F0502020204030204" pitchFamily="34" charset="0"/>
-                <a:ea typeface="Malgun Gothic" panose="020B0503020000020004" pitchFamily="34" charset="-127"/>
-                <a:cs typeface="Times New Roman" panose="02020603050405020304" pitchFamily="18" charset="0"/>
-              </a:rPr>
-              <a:t>: Understand the effect of life stages and marital roles on financial decisions and associated risk.</a:t>
-            </a:r>
-          </a:p>
-          <a:p>
-            <a:endParaRPr lang="en-US" dirty="0"/>
+              <a:rPr lang="en-US" dirty="0"/>
+              <a:t>Older age groups show fewer defaults, indicating lower risk and possibly decreased credit usage with age.</a:t>
+            </a:r>
           </a:p>
         </p:txBody>
       </p:sp>
@@ -6296,30 +6354,160 @@
             <p:ph type="title"/>
           </p:nvPr>
         </p:nvSpPr>
-        <p:spPr/>
+        <p:spPr>
+          <a:xfrm>
+            <a:off x="457200" y="0"/>
+            <a:ext cx="8229600" cy="1143000"/>
+          </a:xfrm>
+        </p:spPr>
         <p:txBody>
           <a:bodyPr/>
           <a:lstStyle/>
           <a:p>
             <a:r>
-              <a:t>Age Distribution</a:t>
-            </a:r>
+              <a:rPr dirty="0"/>
+              <a:t>Repayment Status Analysis</a:t>
+            </a:r>
+          </a:p>
+        </p:txBody>
+      </p:sp>
+      <p:sp>
+        <p:nvSpPr>
+          <p:cNvPr id="6" name="TextBox 5">
+            <a:extLst>
+              <a:ext uri="{FF2B5EF4-FFF2-40B4-BE49-F238E27FC236}">
+                <a16:creationId xmlns:a16="http://schemas.microsoft.com/office/drawing/2014/main" id="{E3FBA7B9-FD10-2CE3-17F6-AA56294FC43F}"/>
+              </a:ext>
+            </a:extLst>
+          </p:cNvPr>
+          <p:cNvSpPr txBox="1"/>
+          <p:nvPr/>
+        </p:nvSpPr>
+        <p:spPr>
+          <a:xfrm>
+            <a:off x="135294" y="1305833"/>
+            <a:ext cx="8873412" cy="1774460"/>
+          </a:xfrm>
+          <a:prstGeom prst="rect">
+            <a:avLst/>
+          </a:prstGeom>
+          <a:noFill/>
+        </p:spPr>
+        <p:txBody>
+          <a:bodyPr wrap="square" numCol="1" rtlCol="0">
+            <a:spAutoFit/>
+          </a:bodyPr>
+          <a:lstStyle/>
+          <a:p>
+            <a:pPr marL="285750" marR="0" indent="-285750" algn="just">
+              <a:lnSpc>
+                <a:spcPct val="107000"/>
+              </a:lnSpc>
+              <a:spcBef>
+                <a:spcPts val="0"/>
+              </a:spcBef>
+              <a:spcAft>
+                <a:spcPts val="800"/>
+              </a:spcAft>
+              <a:buFont typeface="Arial" panose="020B0604020202020204" pitchFamily="34" charset="0"/>
+              <a:buChar char="•"/>
+            </a:pPr>
+            <a:r>
+              <a:rPr lang="en-US" sz="1800" kern="100" dirty="0">
+                <a:effectLst/>
+                <a:latin typeface="Calibri" panose="020F0502020204030204" pitchFamily="34" charset="0"/>
+                <a:ea typeface="Malgun Gothic" panose="020B0503020000020004" pitchFamily="34" charset="-127"/>
+                <a:cs typeface="Times New Roman" panose="02020603050405020304" pitchFamily="18" charset="0"/>
+              </a:rPr>
+              <a:t>Late payments significantly increase default risk</a:t>
+            </a:r>
+          </a:p>
+          <a:p>
+            <a:pPr marL="285750" marR="0" indent="-285750" algn="just">
+              <a:lnSpc>
+                <a:spcPct val="107000"/>
+              </a:lnSpc>
+              <a:spcBef>
+                <a:spcPts val="0"/>
+              </a:spcBef>
+              <a:spcAft>
+                <a:spcPts val="800"/>
+              </a:spcAft>
+              <a:buFont typeface="Arial" panose="020B0604020202020204" pitchFamily="34" charset="0"/>
+              <a:buChar char="•"/>
+            </a:pPr>
+            <a:r>
+              <a:rPr lang="en-US" sz="1800" kern="100" dirty="0">
+                <a:effectLst/>
+                <a:latin typeface="Calibri" panose="020F0502020204030204" pitchFamily="34" charset="0"/>
+                <a:ea typeface="Malgun Gothic" panose="020B0503020000020004" pitchFamily="34" charset="-127"/>
+                <a:cs typeface="Times New Roman" panose="02020603050405020304" pitchFamily="18" charset="0"/>
+              </a:rPr>
+              <a:t>Early and on-time repayments are consistently associated with lower default rates.</a:t>
+            </a:r>
+          </a:p>
+          <a:p>
+            <a:pPr marL="285750" marR="0" indent="-285750" algn="just">
+              <a:lnSpc>
+                <a:spcPct val="107000"/>
+              </a:lnSpc>
+              <a:spcBef>
+                <a:spcPts val="0"/>
+              </a:spcBef>
+              <a:spcAft>
+                <a:spcPts val="800"/>
+              </a:spcAft>
+              <a:buFont typeface="Arial" panose="020B0604020202020204" pitchFamily="34" charset="0"/>
+              <a:buChar char="•"/>
+            </a:pPr>
+            <a:r>
+              <a:rPr lang="en-US" sz="1800" kern="100" dirty="0">
+                <a:effectLst/>
+                <a:latin typeface="Calibri" panose="020F0502020204030204" pitchFamily="34" charset="0"/>
+                <a:ea typeface="Malgun Gothic" panose="020B0503020000020004" pitchFamily="34" charset="-127"/>
+                <a:cs typeface="Times New Roman" panose="02020603050405020304" pitchFamily="18" charset="0"/>
+              </a:rPr>
+              <a:t>Repayment behavior shows consistent patterns over time, suggesting that past payment behaviors can be reliable indicators of future creditworthiness.</a:t>
+            </a:r>
+          </a:p>
+          <a:p>
+            <a:pPr marL="285750" marR="0" indent="-285750" algn="just">
+              <a:lnSpc>
+                <a:spcPct val="107000"/>
+              </a:lnSpc>
+              <a:spcBef>
+                <a:spcPts val="0"/>
+              </a:spcBef>
+              <a:spcAft>
+                <a:spcPts val="800"/>
+              </a:spcAft>
+              <a:buFont typeface="Arial" panose="020B0604020202020204" pitchFamily="34" charset="0"/>
+              <a:buChar char="•"/>
+            </a:pPr>
+            <a:endParaRPr lang="en-US" sz="1200" kern="100" dirty="0">
+              <a:effectLst/>
+              <a:latin typeface="Calibri" panose="020F0502020204030204" pitchFamily="34" charset="0"/>
+              <a:ea typeface="Malgun Gothic" panose="020B0503020000020004" pitchFamily="34" charset="-127"/>
+              <a:cs typeface="Times New Roman" panose="02020603050405020304" pitchFamily="18" charset="0"/>
+            </a:endParaRPr>
           </a:p>
         </p:txBody>
       </p:sp>
       <p:pic>
         <p:nvPicPr>
-          <p:cNvPr id="7" name="Picture 6">
+          <p:cNvPr id="8" name="Content Placeholder 7">
             <a:extLst>
               <a:ext uri="{FF2B5EF4-FFF2-40B4-BE49-F238E27FC236}">
-                <a16:creationId xmlns:a16="http://schemas.microsoft.com/office/drawing/2014/main" id="{15CA8391-D22B-E372-9E8A-9BA23DFC5208}"/>
+                <a16:creationId xmlns:a16="http://schemas.microsoft.com/office/drawing/2014/main" id="{3FF4C495-3E57-06CA-5CFC-7E87807EAF07}"/>
               </a:ext>
             </a:extLst>
           </p:cNvPr>
           <p:cNvPicPr>
-            <a:picLocks noChangeAspect="1"/>
+            <a:picLocks noGrp="1" noChangeAspect="1"/>
           </p:cNvPicPr>
-          <p:nvPr/>
+          <p:nvPr>
+            <p:ph idx="1"/>
+          </p:nvPr>
         </p:nvPicPr>
         <p:blipFill>
           <a:blip r:embed="rId2"/>
@@ -6329,299 +6517,11 @@
         </p:blipFill>
         <p:spPr>
           <a:xfrm>
-            <a:off x="4123944" y="1485901"/>
-            <a:ext cx="5449824" cy="4828032"/>
+            <a:off x="457200" y="3462440"/>
+            <a:ext cx="8229600" cy="2743200"/>
           </a:xfrm>
-          <a:prstGeom prst="rect">
-            <a:avLst/>
-          </a:prstGeom>
         </p:spPr>
       </p:pic>
-      <p:sp>
-        <p:nvSpPr>
-          <p:cNvPr id="10" name="Content Placeholder 2"/>
-          <p:cNvSpPr txBox="1">
-            <a:spLocks/>
-          </p:cNvSpPr>
-          <p:nvPr/>
-        </p:nvSpPr>
-        <p:spPr>
-          <a:xfrm>
-            <a:off x="0" y="2121409"/>
-            <a:ext cx="4343400" cy="3941064"/>
-          </a:xfrm>
-          <a:prstGeom prst="rect">
-            <a:avLst/>
-          </a:prstGeom>
-        </p:spPr>
-        <p:txBody>
-          <a:bodyPr vert="horz" lIns="91440" tIns="45720" rIns="91440" bIns="45720" rtlCol="0">
-            <a:normAutofit fontScale="92500" lnSpcReduction="10000"/>
-          </a:bodyPr>
-          <a:lstStyle>
-            <a:lvl1pPr marL="342900" indent="-342900" algn="l" defTabSz="457200" rtl="0" eaLnBrk="1" latinLnBrk="0" hangingPunct="1">
-              <a:spcBef>
-                <a:spcPct val="20000"/>
-              </a:spcBef>
-              <a:buFont typeface="Arial"/>
-              <a:buChar char="•"/>
-              <a:defRPr sz="3200" kern="1200">
-                <a:solidFill>
-                  <a:schemeClr val="tx1"/>
-                </a:solidFill>
-                <a:latin typeface="+mn-lt"/>
-                <a:ea typeface="+mn-ea"/>
-                <a:cs typeface="+mn-cs"/>
-              </a:defRPr>
-            </a:lvl1pPr>
-            <a:lvl2pPr marL="742950" indent="-285750" algn="l" defTabSz="457200" rtl="0" eaLnBrk="1" latinLnBrk="0" hangingPunct="1">
-              <a:spcBef>
-                <a:spcPct val="20000"/>
-              </a:spcBef>
-              <a:buFont typeface="Arial"/>
-              <a:buChar char="–"/>
-              <a:defRPr sz="2800" kern="1200">
-                <a:solidFill>
-                  <a:schemeClr val="tx1"/>
-                </a:solidFill>
-                <a:latin typeface="+mn-lt"/>
-                <a:ea typeface="+mn-ea"/>
-                <a:cs typeface="+mn-cs"/>
-              </a:defRPr>
-            </a:lvl2pPr>
-            <a:lvl3pPr marL="1143000" indent="-228600" algn="l" defTabSz="457200" rtl="0" eaLnBrk="1" latinLnBrk="0" hangingPunct="1">
-              <a:spcBef>
-                <a:spcPct val="20000"/>
-              </a:spcBef>
-              <a:buFont typeface="Arial"/>
-              <a:buChar char="•"/>
-              <a:defRPr sz="2400" kern="1200">
-                <a:solidFill>
-                  <a:schemeClr val="tx1"/>
-                </a:solidFill>
-                <a:latin typeface="+mn-lt"/>
-                <a:ea typeface="+mn-ea"/>
-                <a:cs typeface="+mn-cs"/>
-              </a:defRPr>
-            </a:lvl3pPr>
-            <a:lvl4pPr marL="1600200" indent="-228600" algn="l" defTabSz="457200" rtl="0" eaLnBrk="1" latinLnBrk="0" hangingPunct="1">
-              <a:spcBef>
-                <a:spcPct val="20000"/>
-              </a:spcBef>
-              <a:buFont typeface="Arial"/>
-              <a:buChar char="–"/>
-              <a:defRPr sz="2000" kern="1200">
-                <a:solidFill>
-                  <a:schemeClr val="tx1"/>
-                </a:solidFill>
-                <a:latin typeface="+mn-lt"/>
-                <a:ea typeface="+mn-ea"/>
-                <a:cs typeface="+mn-cs"/>
-              </a:defRPr>
-            </a:lvl4pPr>
-            <a:lvl5pPr marL="2057400" indent="-228600" algn="l" defTabSz="457200" rtl="0" eaLnBrk="1" latinLnBrk="0" hangingPunct="1">
-              <a:spcBef>
-                <a:spcPct val="20000"/>
-              </a:spcBef>
-              <a:buFont typeface="Arial"/>
-              <a:buChar char="»"/>
-              <a:defRPr sz="2000" kern="1200">
-                <a:solidFill>
-                  <a:schemeClr val="tx1"/>
-                </a:solidFill>
-                <a:latin typeface="+mn-lt"/>
-                <a:ea typeface="+mn-ea"/>
-                <a:cs typeface="+mn-cs"/>
-              </a:defRPr>
-            </a:lvl5pPr>
-            <a:lvl6pPr marL="2514600" indent="-228600" algn="l" defTabSz="457200" rtl="0" eaLnBrk="1" latinLnBrk="0" hangingPunct="1">
-              <a:spcBef>
-                <a:spcPct val="20000"/>
-              </a:spcBef>
-              <a:buFont typeface="Arial"/>
-              <a:buChar char="•"/>
-              <a:defRPr sz="2000" kern="1200">
-                <a:solidFill>
-                  <a:schemeClr val="tx1"/>
-                </a:solidFill>
-                <a:latin typeface="+mn-lt"/>
-                <a:ea typeface="+mn-ea"/>
-                <a:cs typeface="+mn-cs"/>
-              </a:defRPr>
-            </a:lvl6pPr>
-            <a:lvl7pPr marL="2971800" indent="-228600" algn="l" defTabSz="457200" rtl="0" eaLnBrk="1" latinLnBrk="0" hangingPunct="1">
-              <a:spcBef>
-                <a:spcPct val="20000"/>
-              </a:spcBef>
-              <a:buFont typeface="Arial"/>
-              <a:buChar char="•"/>
-              <a:defRPr sz="2000" kern="1200">
-                <a:solidFill>
-                  <a:schemeClr val="tx1"/>
-                </a:solidFill>
-                <a:latin typeface="+mn-lt"/>
-                <a:ea typeface="+mn-ea"/>
-                <a:cs typeface="+mn-cs"/>
-              </a:defRPr>
-            </a:lvl7pPr>
-            <a:lvl8pPr marL="3429000" indent="-228600" algn="l" defTabSz="457200" rtl="0" eaLnBrk="1" latinLnBrk="0" hangingPunct="1">
-              <a:spcBef>
-                <a:spcPct val="20000"/>
-              </a:spcBef>
-              <a:buFont typeface="Arial"/>
-              <a:buChar char="•"/>
-              <a:defRPr sz="2000" kern="1200">
-                <a:solidFill>
-                  <a:schemeClr val="tx1"/>
-                </a:solidFill>
-                <a:latin typeface="+mn-lt"/>
-                <a:ea typeface="+mn-ea"/>
-                <a:cs typeface="+mn-cs"/>
-              </a:defRPr>
-            </a:lvl8pPr>
-            <a:lvl9pPr marL="3886200" indent="-228600" algn="l" defTabSz="457200" rtl="0" eaLnBrk="1" latinLnBrk="0" hangingPunct="1">
-              <a:spcBef>
-                <a:spcPct val="20000"/>
-              </a:spcBef>
-              <a:buFont typeface="Arial"/>
-              <a:buChar char="•"/>
-              <a:defRPr sz="2000" kern="1200">
-                <a:solidFill>
-                  <a:schemeClr val="tx1"/>
-                </a:solidFill>
-                <a:latin typeface="+mn-lt"/>
-                <a:ea typeface="+mn-ea"/>
-                <a:cs typeface="+mn-cs"/>
-              </a:defRPr>
-            </a:lvl9pPr>
-          </a:lstStyle>
-          <a:p>
-            <a:pPr marL="0" indent="0" algn="just">
-              <a:lnSpc>
-                <a:spcPct val="107000"/>
-              </a:lnSpc>
-              <a:spcBef>
-                <a:spcPts val="0"/>
-              </a:spcBef>
-              <a:spcAft>
-                <a:spcPts val="800"/>
-              </a:spcAft>
-              <a:buFont typeface="Arial"/>
-              <a:buNone/>
-            </a:pPr>
-            <a:r>
-              <a:rPr lang="en-US" sz="1800" b="1" kern="100" dirty="0">
-                <a:latin typeface="Calibri" panose="020F0502020204030204" pitchFamily="34" charset="0"/>
-                <a:ea typeface="Malgun Gothic" panose="020B0503020000020004" pitchFamily="34" charset="-127"/>
-                <a:cs typeface="Times New Roman" panose="02020603050405020304" pitchFamily="18" charset="0"/>
-              </a:rPr>
-              <a:t>Age Concentration</a:t>
-            </a:r>
-            <a:r>
-              <a:rPr lang="en-US" sz="1800" kern="100" dirty="0">
-                <a:latin typeface="Calibri" panose="020F0502020204030204" pitchFamily="34" charset="0"/>
-                <a:ea typeface="Malgun Gothic" panose="020B0503020000020004" pitchFamily="34" charset="-127"/>
-                <a:cs typeface="Times New Roman" panose="02020603050405020304" pitchFamily="18" charset="0"/>
-              </a:rPr>
-              <a:t>: Predominant client age range of 20-40 years, peaking in mid-20s to early 30s.</a:t>
-            </a:r>
-          </a:p>
-          <a:p>
-            <a:pPr marL="0" indent="0" algn="just">
-              <a:lnSpc>
-                <a:spcPct val="107000"/>
-              </a:lnSpc>
-              <a:spcBef>
-                <a:spcPts val="0"/>
-              </a:spcBef>
-              <a:spcAft>
-                <a:spcPts val="800"/>
-              </a:spcAft>
-              <a:buFont typeface="Arial"/>
-              <a:buNone/>
-            </a:pPr>
-            <a:r>
-              <a:rPr lang="en-US" sz="1800" b="1" kern="100" dirty="0">
-                <a:latin typeface="Calibri" panose="020F0502020204030204" pitchFamily="34" charset="0"/>
-                <a:ea typeface="Malgun Gothic" panose="020B0503020000020004" pitchFamily="34" charset="-127"/>
-                <a:cs typeface="Times New Roman" panose="02020603050405020304" pitchFamily="18" charset="0"/>
-              </a:rPr>
-              <a:t>Engagement with Credit</a:t>
-            </a:r>
-            <a:r>
-              <a:rPr lang="en-US" sz="1800" kern="100" dirty="0">
-                <a:latin typeface="Calibri" panose="020F0502020204030204" pitchFamily="34" charset="0"/>
-                <a:ea typeface="Malgun Gothic" panose="020B0503020000020004" pitchFamily="34" charset="-127"/>
-                <a:cs typeface="Times New Roman" panose="02020603050405020304" pitchFamily="18" charset="0"/>
-              </a:rPr>
-              <a:t>: Younger demographics show higher engagement, leading to a larger representation in both default and non-default categories.</a:t>
-            </a:r>
-          </a:p>
-          <a:p>
-            <a:pPr marL="0" indent="0" algn="just">
-              <a:lnSpc>
-                <a:spcPct val="107000"/>
-              </a:lnSpc>
-              <a:spcBef>
-                <a:spcPts val="0"/>
-              </a:spcBef>
-              <a:spcAft>
-                <a:spcPts val="800"/>
-              </a:spcAft>
-              <a:buFont typeface="Arial"/>
-              <a:buNone/>
-            </a:pPr>
-            <a:r>
-              <a:rPr lang="en-US" sz="1800" b="1" kern="100" dirty="0">
-                <a:latin typeface="Calibri" panose="020F0502020204030204" pitchFamily="34" charset="0"/>
-                <a:ea typeface="Malgun Gothic" panose="020B0503020000020004" pitchFamily="34" charset="-127"/>
-                <a:cs typeface="Times New Roman" panose="02020603050405020304" pitchFamily="18" charset="0"/>
-              </a:rPr>
-              <a:t>Default Patterns</a:t>
-            </a:r>
-            <a:r>
-              <a:rPr lang="en-US" sz="1800" kern="100" dirty="0">
-                <a:latin typeface="Calibri" panose="020F0502020204030204" pitchFamily="34" charset="0"/>
-                <a:ea typeface="Malgun Gothic" panose="020B0503020000020004" pitchFamily="34" charset="-127"/>
-                <a:cs typeface="Times New Roman" panose="02020603050405020304" pitchFamily="18" charset="0"/>
-              </a:rPr>
-              <a:t>: Similar distribution shapes for defaulting and non-defaulting clients, with a notable overlap in younger age groups.</a:t>
-            </a:r>
-          </a:p>
-          <a:p>
-            <a:pPr marL="0" indent="0" algn="just">
-              <a:lnSpc>
-                <a:spcPct val="107000"/>
-              </a:lnSpc>
-              <a:spcBef>
-                <a:spcPts val="0"/>
-              </a:spcBef>
-              <a:spcAft>
-                <a:spcPts val="800"/>
-              </a:spcAft>
-              <a:buFont typeface="Arial"/>
-              <a:buNone/>
-            </a:pPr>
-            <a:r>
-              <a:rPr lang="en-US" sz="1800" b="1" kern="100" dirty="0">
-                <a:latin typeface="Calibri" panose="020F0502020204030204" pitchFamily="34" charset="0"/>
-                <a:ea typeface="Malgun Gothic" panose="020B0503020000020004" pitchFamily="34" charset="-127"/>
-                <a:cs typeface="Times New Roman" panose="02020603050405020304" pitchFamily="18" charset="0"/>
-              </a:rPr>
-              <a:t>Age-Related Decline in Default</a:t>
-            </a:r>
-            <a:r>
-              <a:rPr lang="en-US" sz="1800" kern="100" dirty="0">
-                <a:latin typeface="Calibri" panose="020F0502020204030204" pitchFamily="34" charset="0"/>
-                <a:ea typeface="Malgun Gothic" panose="020B0503020000020004" pitchFamily="34" charset="-127"/>
-                <a:cs typeface="Times New Roman" panose="02020603050405020304" pitchFamily="18" charset="0"/>
-              </a:rPr>
-              <a:t>: Fewer defaults among older clients, suggesting decreased credit use or lower default risk with age.</a:t>
-            </a:r>
-            <a:endParaRPr lang="en-US" dirty="0"/>
-          </a:p>
-        </p:txBody>
-      </p:sp>
     </p:spTree>
   </p:cSld>
   <p:clrMapOvr>
@@ -6659,7 +6559,7 @@
         </p:nvSpPr>
         <p:spPr>
           <a:xfrm>
-            <a:off x="457200" y="0"/>
+            <a:off x="457200" y="4050"/>
             <a:ext cx="8229600" cy="1143000"/>
           </a:xfrm>
         </p:spPr>
@@ -6669,17 +6569,17 @@
           <a:p>
             <a:r>
               <a:rPr dirty="0"/>
-              <a:t>Repayment Status Analysis</a:t>
+              <a:t>Previous Payments Analysis</a:t>
             </a:r>
           </a:p>
         </p:txBody>
       </p:sp>
       <p:pic>
         <p:nvPicPr>
-          <p:cNvPr id="5" name="Content Placeholder 4">
+          <p:cNvPr id="12" name="Content Placeholder 11">
             <a:extLst>
               <a:ext uri="{FF2B5EF4-FFF2-40B4-BE49-F238E27FC236}">
-                <a16:creationId xmlns:a16="http://schemas.microsoft.com/office/drawing/2014/main" id="{6FB756CE-1ACF-8E6D-F652-7B922E06D41C}"/>
+                <a16:creationId xmlns:a16="http://schemas.microsoft.com/office/drawing/2014/main" id="{73FE363D-0406-A405-BC35-8BACA4C65953}"/>
               </a:ext>
             </a:extLst>
           </p:cNvPr>
@@ -6698,17 +6598,17 @@
         </p:blipFill>
         <p:spPr>
           <a:xfrm>
-            <a:off x="237744" y="1032164"/>
-            <a:ext cx="8540496" cy="4371109"/>
+            <a:off x="877455" y="2577791"/>
+            <a:ext cx="7305963" cy="4525963"/>
           </a:xfrm>
         </p:spPr>
       </p:pic>
       <p:sp>
         <p:nvSpPr>
-          <p:cNvPr id="6" name="TextBox 5">
+          <p:cNvPr id="13" name="TextBox 12">
             <a:extLst>
               <a:ext uri="{FF2B5EF4-FFF2-40B4-BE49-F238E27FC236}">
-                <a16:creationId xmlns:a16="http://schemas.microsoft.com/office/drawing/2014/main" id="{E3FBA7B9-FD10-2CE3-17F6-AA56294FC43F}"/>
+                <a16:creationId xmlns:a16="http://schemas.microsoft.com/office/drawing/2014/main" id="{190BBFF0-5DF5-51C7-B919-735ED29EDF3E}"/>
               </a:ext>
             </a:extLst>
           </p:cNvPr>
@@ -6717,8 +6617,8 @@
         </p:nvSpPr>
         <p:spPr>
           <a:xfrm>
-            <a:off x="135294" y="5646888"/>
-            <a:ext cx="8873412" cy="1577098"/>
+            <a:off x="398483" y="1260289"/>
+            <a:ext cx="8347034" cy="1999650"/>
           </a:xfrm>
           <a:prstGeom prst="rect">
             <a:avLst/>
@@ -6726,7 +6626,7 @@
           <a:noFill/>
         </p:spPr>
         <p:txBody>
-          <a:bodyPr wrap="square" numCol="2" rtlCol="0">
+          <a:bodyPr wrap="square" rtlCol="0">
             <a:spAutoFit/>
           </a:bodyPr>
           <a:lstStyle/>
@@ -6745,22 +6645,22 @@
               <a:buChar char="•"/>
             </a:pPr>
             <a:r>
-              <a:rPr lang="en-US" sz="1200" b="1" kern="100" dirty="0">
+              <a:rPr lang="en-US" sz="1800" b="1" kern="100" dirty="0">
                 <a:effectLst/>
                 <a:latin typeface="Calibri" panose="020F0502020204030204" pitchFamily="34" charset="0"/>
                 <a:ea typeface="Malgun Gothic" panose="020B0503020000020004" pitchFamily="34" charset="-127"/>
                 <a:cs typeface="Times New Roman" panose="02020603050405020304" pitchFamily="18" charset="0"/>
               </a:rPr>
-              <a:t>Diverse Default Rates</a:t>
-            </a:r>
-            <a:r>
-              <a:rPr lang="en-US" sz="1200" kern="100" dirty="0">
+              <a:t>Higher Payments Associated with Lower Default Risk</a:t>
+            </a:r>
+            <a:r>
+              <a:rPr lang="en-US" sz="1800" kern="100" dirty="0">
                 <a:effectLst/>
                 <a:latin typeface="Calibri" panose="020F0502020204030204" pitchFamily="34" charset="0"/>
                 <a:ea typeface="Malgun Gothic" panose="020B0503020000020004" pitchFamily="34" charset="-127"/>
                 <a:cs typeface="Times New Roman" panose="02020603050405020304" pitchFamily="18" charset="0"/>
               </a:rPr>
-              <a:t>: Variability in default rates by repayment status highlights the critical role of payment behavior in risk assessment.</a:t>
+              <a:t>: The graph clearly shows that higher average payments are linked with a lower likelihood of default.</a:t>
             </a:r>
           </a:p>
           <a:p>
@@ -6777,73 +6677,27 @@
               <a:buFont typeface="Arial" panose="020B0604020202020204" pitchFamily="34" charset="0"/>
               <a:buChar char="•"/>
             </a:pPr>
-            <a:endParaRPr lang="en-US" sz="1200" kern="100" dirty="0">
-              <a:latin typeface="Calibri" panose="020F0502020204030204" pitchFamily="34" charset="0"/>
-              <a:ea typeface="Malgun Gothic" panose="020B0503020000020004" pitchFamily="34" charset="-127"/>
-              <a:cs typeface="Times New Roman" panose="02020603050405020304" pitchFamily="18" charset="0"/>
-            </a:endParaRPr>
-          </a:p>
-          <a:p>
-            <a:pPr>
-              <a:lnSpc>
-                <a:spcPct val="107000"/>
-              </a:lnSpc>
-              <a:spcAft>
-                <a:spcPts val="800"/>
-              </a:spcAft>
-            </a:pPr>
-            <a:endParaRPr lang="en-US" sz="1200" b="1" kern="100" dirty="0">
-              <a:latin typeface="Calibri" panose="020F0502020204030204" pitchFamily="34" charset="0"/>
-              <a:ea typeface="Malgun Gothic" panose="020B0503020000020004" pitchFamily="34" charset="-127"/>
-              <a:cs typeface="Times New Roman" panose="02020603050405020304" pitchFamily="18" charset="0"/>
-            </a:endParaRPr>
-          </a:p>
-          <a:p>
-            <a:pPr>
-              <a:lnSpc>
-                <a:spcPct val="107000"/>
-              </a:lnSpc>
-              <a:spcAft>
-                <a:spcPts val="800"/>
-              </a:spcAft>
-            </a:pPr>
-            <a:endParaRPr lang="en-US" sz="1200" b="1" kern="100" dirty="0">
-              <a:effectLst/>
-              <a:latin typeface="Calibri" panose="020F0502020204030204" pitchFamily="34" charset="0"/>
-              <a:ea typeface="Malgun Gothic" panose="020B0503020000020004" pitchFamily="34" charset="-127"/>
-              <a:cs typeface="Times New Roman" panose="02020603050405020304" pitchFamily="18" charset="0"/>
-            </a:endParaRPr>
-          </a:p>
-          <a:p>
-            <a:pPr>
-              <a:lnSpc>
-                <a:spcPct val="107000"/>
-              </a:lnSpc>
-              <a:spcAft>
-                <a:spcPts val="800"/>
-              </a:spcAft>
-            </a:pPr>
-            <a:r>
-              <a:rPr lang="en-US" sz="1200" b="1" kern="100" dirty="0">
+            <a:r>
+              <a:rPr lang="en-US" sz="1800" b="1" kern="100" dirty="0">
                 <a:effectLst/>
                 <a:latin typeface="Calibri" panose="020F0502020204030204" pitchFamily="34" charset="0"/>
                 <a:ea typeface="Malgun Gothic" panose="020B0503020000020004" pitchFamily="34" charset="-127"/>
                 <a:cs typeface="Times New Roman" panose="02020603050405020304" pitchFamily="18" charset="0"/>
               </a:rPr>
-              <a:t>Strategic Risk Management</a:t>
-            </a:r>
-            <a:r>
-              <a:rPr lang="en-US" sz="1200" kern="100" dirty="0">
+              <a:t>Payment Behavior as a Risk Indicator</a:t>
+            </a:r>
+            <a:r>
+              <a:rPr lang="en-US" sz="1800" kern="100" dirty="0">
                 <a:effectLst/>
                 <a:latin typeface="Calibri" panose="020F0502020204030204" pitchFamily="34" charset="0"/>
                 <a:ea typeface="Malgun Gothic" panose="020B0503020000020004" pitchFamily="34" charset="-127"/>
                 <a:cs typeface="Times New Roman" panose="02020603050405020304" pitchFamily="18" charset="0"/>
               </a:rPr>
-              <a:t>: High default percentages in specific repayment categories necessitate targeted strategies by financial institutions.</a:t>
-            </a:r>
-          </a:p>
-          <a:p>
-            <a:pPr marL="285750" marR="0" indent="-285750">
+              <a:t>: The noticeable difference in average payments between the two groups can serve as a strong indicator of potential default risk.</a:t>
+            </a:r>
+          </a:p>
+          <a:p>
+            <a:pPr marL="0" marR="0">
               <a:lnSpc>
                 <a:spcPct val="107000"/>
               </a:lnSpc>
@@ -6853,10 +6707,8 @@
               <a:spcAft>
                 <a:spcPts val="800"/>
               </a:spcAft>
-              <a:buFont typeface="Arial" panose="020B0604020202020204" pitchFamily="34" charset="0"/>
-              <a:buChar char="•"/>
             </a:pPr>
-            <a:endParaRPr lang="en-US" sz="1200" kern="100" dirty="0">
+            <a:endParaRPr lang="en-US" sz="1400" kern="100" dirty="0">
               <a:effectLst/>
               <a:latin typeface="Calibri" panose="020F0502020204030204" pitchFamily="34" charset="0"/>
               <a:ea typeface="Malgun Gothic" panose="020B0503020000020004" pitchFamily="34" charset="-127"/>
@@ -6902,7 +6754,7 @@
         </p:nvSpPr>
         <p:spPr>
           <a:xfrm>
-            <a:off x="457200" y="4050"/>
+            <a:off x="457200" y="-125962"/>
             <a:ext cx="8229600" cy="1143000"/>
           </a:xfrm>
         </p:spPr>
@@ -6912,26 +6764,24 @@
           <a:p>
             <a:r>
               <a:rPr dirty="0"/>
-              <a:t>Previous Payments Analysis</a:t>
+              <a:t>Bill Amount Analysis</a:t>
             </a:r>
           </a:p>
         </p:txBody>
       </p:sp>
       <p:pic>
         <p:nvPicPr>
-          <p:cNvPr id="5" name="Content Placeholder 4">
+          <p:cNvPr id="4" name="Picture 3">
             <a:extLst>
               <a:ext uri="{FF2B5EF4-FFF2-40B4-BE49-F238E27FC236}">
-                <a16:creationId xmlns:a16="http://schemas.microsoft.com/office/drawing/2014/main" id="{195E1C4A-11AA-4617-EAE3-526C02C22A1A}"/>
+                <a16:creationId xmlns:a16="http://schemas.microsoft.com/office/drawing/2014/main" id="{0B4264ED-FA17-0A46-6832-D0AD02867C1D}"/>
               </a:ext>
             </a:extLst>
           </p:cNvPr>
           <p:cNvPicPr>
-            <a:picLocks noGrp="1" noChangeAspect="1"/>
+            <a:picLocks noChangeAspect="1"/>
           </p:cNvPicPr>
-          <p:nvPr>
-            <p:ph idx="1"/>
-          </p:nvPr>
+          <p:nvPr/>
         </p:nvPicPr>
         <p:blipFill>
           <a:blip r:embed="rId2"/>
@@ -6941,98 +6791,179 @@
         </p:blipFill>
         <p:spPr>
           <a:xfrm>
-            <a:off x="457200" y="1045029"/>
-            <a:ext cx="8164285" cy="4040155"/>
-          </a:xfrm>
-        </p:spPr>
-      </p:pic>
-      <p:sp>
-        <p:nvSpPr>
-          <p:cNvPr id="6" name="TextBox 5">
-            <a:extLst>
-              <a:ext uri="{FF2B5EF4-FFF2-40B4-BE49-F238E27FC236}">
-                <a16:creationId xmlns:a16="http://schemas.microsoft.com/office/drawing/2014/main" id="{190BBFF0-5DF5-51C7-B919-735ED29EDF3E}"/>
-              </a:ext>
-            </a:extLst>
-          </p:cNvPr>
-          <p:cNvSpPr txBox="1"/>
-          <p:nvPr/>
-        </p:nvSpPr>
-        <p:spPr>
-          <a:xfrm>
-            <a:off x="667139" y="5267131"/>
-            <a:ext cx="7954346" cy="1337289"/>
+            <a:off x="198582" y="1537844"/>
+            <a:ext cx="8622138" cy="5486411"/>
           </a:xfrm>
           <a:prstGeom prst="rect">
             <a:avLst/>
           </a:prstGeom>
-          <a:noFill/>
         </p:spPr>
-        <p:txBody>
-          <a:bodyPr wrap="square" rtlCol="0">
-            <a:spAutoFit/>
+      </p:pic>
+      <p:sp>
+        <p:nvSpPr>
+          <p:cNvPr id="5" name="Content Placeholder 2"/>
+          <p:cNvSpPr txBox="1">
+            <a:spLocks/>
+          </p:cNvSpPr>
+          <p:nvPr/>
+        </p:nvSpPr>
+        <p:spPr>
+          <a:xfrm>
+            <a:off x="715818" y="1017038"/>
+            <a:ext cx="8229600" cy="961669"/>
+          </a:xfrm>
+          <a:prstGeom prst="rect">
+            <a:avLst/>
+          </a:prstGeom>
+        </p:spPr>
+        <p:txBody>
+          <a:bodyPr vert="horz" lIns="91440" tIns="45720" rIns="91440" bIns="45720" rtlCol="0">
+            <a:normAutofit/>
           </a:bodyPr>
-          <a:lstStyle/>
-          <a:p>
-            <a:pPr marL="0" marR="0">
-              <a:lnSpc>
-                <a:spcPct val="107000"/>
-              </a:lnSpc>
-              <a:spcBef>
-                <a:spcPts val="0"/>
-              </a:spcBef>
-              <a:spcAft>
-                <a:spcPts val="800"/>
-              </a:spcAft>
+          <a:lstStyle>
+            <a:lvl1pPr marL="342900" indent="-342900" algn="l" defTabSz="457200" rtl="0" eaLnBrk="1" latinLnBrk="0" hangingPunct="1">
+              <a:spcBef>
+                <a:spcPct val="20000"/>
+              </a:spcBef>
+              <a:buFont typeface="Arial"/>
+              <a:buChar char="•"/>
+              <a:defRPr sz="3200" kern="1200">
+                <a:solidFill>
+                  <a:schemeClr val="tx1"/>
+                </a:solidFill>
+                <a:latin typeface="+mn-lt"/>
+                <a:ea typeface="+mn-ea"/>
+                <a:cs typeface="+mn-cs"/>
+              </a:defRPr>
+            </a:lvl1pPr>
+            <a:lvl2pPr marL="742950" indent="-285750" algn="l" defTabSz="457200" rtl="0" eaLnBrk="1" latinLnBrk="0" hangingPunct="1">
+              <a:spcBef>
+                <a:spcPct val="20000"/>
+              </a:spcBef>
+              <a:buFont typeface="Arial"/>
+              <a:buChar char="–"/>
+              <a:defRPr sz="2800" kern="1200">
+                <a:solidFill>
+                  <a:schemeClr val="tx1"/>
+                </a:solidFill>
+                <a:latin typeface="+mn-lt"/>
+                <a:ea typeface="+mn-ea"/>
+                <a:cs typeface="+mn-cs"/>
+              </a:defRPr>
+            </a:lvl2pPr>
+            <a:lvl3pPr marL="1143000" indent="-228600" algn="l" defTabSz="457200" rtl="0" eaLnBrk="1" latinLnBrk="0" hangingPunct="1">
+              <a:spcBef>
+                <a:spcPct val="20000"/>
+              </a:spcBef>
+              <a:buFont typeface="Arial"/>
+              <a:buChar char="•"/>
+              <a:defRPr sz="2400" kern="1200">
+                <a:solidFill>
+                  <a:schemeClr val="tx1"/>
+                </a:solidFill>
+                <a:latin typeface="+mn-lt"/>
+                <a:ea typeface="+mn-ea"/>
+                <a:cs typeface="+mn-cs"/>
+              </a:defRPr>
+            </a:lvl3pPr>
+            <a:lvl4pPr marL="1600200" indent="-228600" algn="l" defTabSz="457200" rtl="0" eaLnBrk="1" latinLnBrk="0" hangingPunct="1">
+              <a:spcBef>
+                <a:spcPct val="20000"/>
+              </a:spcBef>
+              <a:buFont typeface="Arial"/>
+              <a:buChar char="–"/>
+              <a:defRPr sz="2000" kern="1200">
+                <a:solidFill>
+                  <a:schemeClr val="tx1"/>
+                </a:solidFill>
+                <a:latin typeface="+mn-lt"/>
+                <a:ea typeface="+mn-ea"/>
+                <a:cs typeface="+mn-cs"/>
+              </a:defRPr>
+            </a:lvl4pPr>
+            <a:lvl5pPr marL="2057400" indent="-228600" algn="l" defTabSz="457200" rtl="0" eaLnBrk="1" latinLnBrk="0" hangingPunct="1">
+              <a:spcBef>
+                <a:spcPct val="20000"/>
+              </a:spcBef>
+              <a:buFont typeface="Arial"/>
+              <a:buChar char="»"/>
+              <a:defRPr sz="2000" kern="1200">
+                <a:solidFill>
+                  <a:schemeClr val="tx1"/>
+                </a:solidFill>
+                <a:latin typeface="+mn-lt"/>
+                <a:ea typeface="+mn-ea"/>
+                <a:cs typeface="+mn-cs"/>
+              </a:defRPr>
+            </a:lvl5pPr>
+            <a:lvl6pPr marL="2514600" indent="-228600" algn="l" defTabSz="457200" rtl="0" eaLnBrk="1" latinLnBrk="0" hangingPunct="1">
+              <a:spcBef>
+                <a:spcPct val="20000"/>
+              </a:spcBef>
+              <a:buFont typeface="Arial"/>
+              <a:buChar char="•"/>
+              <a:defRPr sz="2000" kern="1200">
+                <a:solidFill>
+                  <a:schemeClr val="tx1"/>
+                </a:solidFill>
+                <a:latin typeface="+mn-lt"/>
+                <a:ea typeface="+mn-ea"/>
+                <a:cs typeface="+mn-cs"/>
+              </a:defRPr>
+            </a:lvl6pPr>
+            <a:lvl7pPr marL="2971800" indent="-228600" algn="l" defTabSz="457200" rtl="0" eaLnBrk="1" latinLnBrk="0" hangingPunct="1">
+              <a:spcBef>
+                <a:spcPct val="20000"/>
+              </a:spcBef>
+              <a:buFont typeface="Arial"/>
+              <a:buChar char="•"/>
+              <a:defRPr sz="2000" kern="1200">
+                <a:solidFill>
+                  <a:schemeClr val="tx1"/>
+                </a:solidFill>
+                <a:latin typeface="+mn-lt"/>
+                <a:ea typeface="+mn-ea"/>
+                <a:cs typeface="+mn-cs"/>
+              </a:defRPr>
+            </a:lvl7pPr>
+            <a:lvl8pPr marL="3429000" indent="-228600" algn="l" defTabSz="457200" rtl="0" eaLnBrk="1" latinLnBrk="0" hangingPunct="1">
+              <a:spcBef>
+                <a:spcPct val="20000"/>
+              </a:spcBef>
+              <a:buFont typeface="Arial"/>
+              <a:buChar char="•"/>
+              <a:defRPr sz="2000" kern="1200">
+                <a:solidFill>
+                  <a:schemeClr val="tx1"/>
+                </a:solidFill>
+                <a:latin typeface="+mn-lt"/>
+                <a:ea typeface="+mn-ea"/>
+                <a:cs typeface="+mn-cs"/>
+              </a:defRPr>
+            </a:lvl8pPr>
+            <a:lvl9pPr marL="3886200" indent="-228600" algn="l" defTabSz="457200" rtl="0" eaLnBrk="1" latinLnBrk="0" hangingPunct="1">
+              <a:spcBef>
+                <a:spcPct val="20000"/>
+              </a:spcBef>
+              <a:buFont typeface="Arial"/>
+              <a:buChar char="•"/>
+              <a:defRPr sz="2000" kern="1200">
+                <a:solidFill>
+                  <a:schemeClr val="tx1"/>
+                </a:solidFill>
+                <a:latin typeface="+mn-lt"/>
+                <a:ea typeface="+mn-ea"/>
+                <a:cs typeface="+mn-cs"/>
+              </a:defRPr>
+            </a:lvl9pPr>
+          </a:lstStyle>
+          <a:p>
+            <a:pPr marL="0" indent="0">
+              <a:buNone/>
             </a:pPr>
             <a:r>
-              <a:rPr lang="en-US" sz="1400" b="1" kern="100" dirty="0">
-                <a:effectLst/>
-                <a:latin typeface="Calibri" panose="020F0502020204030204" pitchFamily="34" charset="0"/>
-                <a:ea typeface="Malgun Gothic" panose="020B0503020000020004" pitchFamily="34" charset="-127"/>
-                <a:cs typeface="Times New Roman" panose="02020603050405020304" pitchFamily="18" charset="0"/>
-              </a:rPr>
-              <a:t>Correlation of Payments to Default Rates</a:t>
-            </a:r>
-            <a:r>
-              <a:rPr lang="en-US" sz="1400" kern="100" dirty="0">
-                <a:effectLst/>
-                <a:latin typeface="Calibri" panose="020F0502020204030204" pitchFamily="34" charset="0"/>
-                <a:ea typeface="Malgun Gothic" panose="020B0503020000020004" pitchFamily="34" charset="-127"/>
-                <a:cs typeface="Times New Roman" panose="02020603050405020304" pitchFamily="18" charset="0"/>
-              </a:rPr>
-              <a:t>: Analysis indicates a potential link between the amount of previous payments and the likelihood of default, with lower payments showing more consistent default rates.</a:t>
-            </a:r>
-          </a:p>
-          <a:p>
-            <a:pPr marL="0" marR="0">
-              <a:lnSpc>
-                <a:spcPct val="107000"/>
-              </a:lnSpc>
-              <a:spcBef>
-                <a:spcPts val="0"/>
-              </a:spcBef>
-              <a:spcAft>
-                <a:spcPts val="800"/>
-              </a:spcAft>
-            </a:pPr>
-            <a:r>
-              <a:rPr lang="en-US" sz="1400" b="1" kern="100" dirty="0">
-                <a:effectLst/>
-                <a:latin typeface="Calibri" panose="020F0502020204030204" pitchFamily="34" charset="0"/>
-                <a:ea typeface="Malgun Gothic" panose="020B0503020000020004" pitchFamily="34" charset="-127"/>
-                <a:cs typeface="Times New Roman" panose="02020603050405020304" pitchFamily="18" charset="0"/>
-              </a:rPr>
-              <a:t>Payment History as a Predictor</a:t>
-            </a:r>
-            <a:r>
-              <a:rPr lang="en-US" sz="1400" kern="100" dirty="0">
-                <a:effectLst/>
-                <a:latin typeface="Calibri" panose="020F0502020204030204" pitchFamily="34" charset="0"/>
-                <a:ea typeface="Malgun Gothic" panose="020B0503020000020004" pitchFamily="34" charset="-127"/>
-                <a:cs typeface="Times New Roman" panose="02020603050405020304" pitchFamily="18" charset="0"/>
-              </a:rPr>
-              <a:t>: Persistent patterns suggest that past payment behavior is a significant indicator of financial distress, highlighting its value in credit risk assessment.</a:t>
+              <a:rPr lang="en-US" sz="2000" dirty="0"/>
+              <a:t>The distribution of bill amounts reveals wide variability, indicating that high bill amounts alone may not be a definitive indicator of default risk.</a:t>
             </a:r>
           </a:p>
         </p:txBody>
@@ -7062,39 +6993,12 @@
           <a:chExt cx="0" cy="0"/>
         </a:xfrm>
       </p:grpSpPr>
-      <p:sp>
-        <p:nvSpPr>
-          <p:cNvPr id="2" name="Title 1"/>
-          <p:cNvSpPr>
-            <a:spLocks noGrp="1"/>
-          </p:cNvSpPr>
-          <p:nvPr>
-            <p:ph type="title"/>
-          </p:nvPr>
-        </p:nvSpPr>
-        <p:spPr>
-          <a:xfrm>
-            <a:off x="457200" y="-125962"/>
-            <a:ext cx="8229600" cy="1143000"/>
-          </a:xfrm>
-        </p:spPr>
-        <p:txBody>
-          <a:bodyPr/>
-          <a:lstStyle/>
-          <a:p>
-            <a:r>
-              <a:rPr dirty="0"/>
-              <a:t>Bill Amount Analysis</a:t>
-            </a:r>
-          </a:p>
-        </p:txBody>
-      </p:sp>
       <p:pic>
         <p:nvPicPr>
           <p:cNvPr id="6" name="Picture 5">
             <a:extLst>
               <a:ext uri="{FF2B5EF4-FFF2-40B4-BE49-F238E27FC236}">
-                <a16:creationId xmlns:a16="http://schemas.microsoft.com/office/drawing/2014/main" id="{BB3C7348-EC25-DEE1-5BAF-A0388CB91306}"/>
+                <a16:creationId xmlns:a16="http://schemas.microsoft.com/office/drawing/2014/main" id="{5BE074F9-A926-893B-DD9E-1D62971D2417}"/>
               </a:ext>
             </a:extLst>
           </p:cNvPr>
@@ -7111,8 +7015,8 @@
         </p:blipFill>
         <p:spPr>
           <a:xfrm>
-            <a:off x="0" y="858416"/>
-            <a:ext cx="9144000" cy="4777274"/>
+            <a:off x="0" y="1768151"/>
+            <a:ext cx="9078686" cy="5089849"/>
           </a:xfrm>
           <a:prstGeom prst="rect">
             <a:avLst/>
@@ -7129,8 +7033,8 @@
         </p:nvSpPr>
         <p:spPr>
           <a:xfrm>
-            <a:off x="457200" y="5747656"/>
-            <a:ext cx="8229600" cy="961669"/>
+            <a:off x="558800" y="867875"/>
+            <a:ext cx="8229600" cy="1254967"/>
           </a:xfrm>
           <a:prstGeom prst="rect">
             <a:avLst/>
@@ -7278,12 +7182,58 @@
             </a:lvl9pPr>
           </a:lstStyle>
           <a:p>
-            <a:pPr marL="0" indent="0">
+            <a:pPr marL="0" indent="0" algn="just">
+              <a:buFont typeface="Arial"/>
               <a:buNone/>
             </a:pPr>
             <a:r>
-              <a:rPr lang="en-US" sz="2000" dirty="0"/>
-              <a:t>The distribution of bill amounts reveals wide variability, indicating that high bill amounts alone may not be a definitive indicator of default risk.</a:t>
+              <a:rPr lang="en-US" sz="2400" dirty="0"/>
+              <a:t>Lower credit limits are associated with a higher risk of default, highlighting credit limit as a significant factor in assessing default risk.</a:t>
+            </a:r>
+          </a:p>
+        </p:txBody>
+      </p:sp>
+      <p:sp>
+        <p:nvSpPr>
+          <p:cNvPr id="12" name="Title 1"/>
+          <p:cNvSpPr txBox="1">
+            <a:spLocks/>
+          </p:cNvSpPr>
+          <p:nvPr/>
+        </p:nvSpPr>
+        <p:spPr>
+          <a:xfrm>
+            <a:off x="457200" y="-177282"/>
+            <a:ext cx="8229600" cy="1143000"/>
+          </a:xfrm>
+          <a:prstGeom prst="rect">
+            <a:avLst/>
+          </a:prstGeom>
+        </p:spPr>
+        <p:txBody>
+          <a:bodyPr vert="horz" lIns="91440" tIns="45720" rIns="91440" bIns="45720" rtlCol="0" anchor="ctr">
+            <a:normAutofit/>
+          </a:bodyPr>
+          <a:lstStyle>
+            <a:lvl1pPr algn="ctr" defTabSz="457200" rtl="0" eaLnBrk="1" latinLnBrk="0" hangingPunct="1">
+              <a:spcBef>
+                <a:spcPct val="0"/>
+              </a:spcBef>
+              <a:buNone/>
+              <a:defRPr sz="4400" kern="1200">
+                <a:solidFill>
+                  <a:schemeClr val="tx1"/>
+                </a:solidFill>
+                <a:latin typeface="+mj-lt"/>
+                <a:ea typeface="+mj-ea"/>
+                <a:cs typeface="+mj-cs"/>
+              </a:defRPr>
+            </a:lvl1pPr>
+          </a:lstStyle>
+          <a:p>
+            <a:r>
+              <a:rPr lang="en-US" dirty="0"/>
+              <a:t>Credit Limit Analysis</a:t>
             </a:r>
           </a:p>
         </p:txBody>
